--- a/src/Presentation/ProgettoAlgovitmi.pptx
+++ b/src/Presentation/ProgettoAlgovitmi.pptx
@@ -14,7 +14,7 @@
     <p:sldId id="258" r:id="rId5"/>
     <p:sldId id="259" r:id="rId6"/>
     <p:sldId id="260" r:id="rId7"/>
-    <p:sldId id="261" r:id="rId8"/>
+    <p:sldId id="263" r:id="rId8"/>
   </p:sldIdLst>
   <p:sldSz cx="12192000" cy="6858000"/>
   <p:notesSz cx="6858000" cy="9144000"/>
@@ -124,7 +124,7 @@
             <p14:sldId id="258"/>
             <p14:sldId id="259"/>
             <p14:sldId id="260"/>
-            <p14:sldId id="261"/>
+            <p14:sldId id="263"/>
           </p14:sldIdLst>
         </p14:section>
       </p14:sectionLst>
@@ -218,7 +218,7 @@
           <a:p>
             <a:fld id="{E17C110B-9B76-4083-BD50-D3391D70F3D1}" type="datetimeFigureOut">
               <a:rPr kumimoji="1" lang="ja-JP" altLang="en-US" smtClean="0"/>
-              <a:t>2024/12/17</a:t>
+              <a:t>2024/12/18</a:t>
             </a:fld>
             <a:endParaRPr kumimoji="1" lang="ja-JP" altLang="en-US"/>
           </a:p>
@@ -530,6 +530,90 @@
           <a:bodyPr/>
           <a:lstStyle/>
           <a:p>
+            <a:endParaRPr kumimoji="1" lang="ja-JP" altLang="en-US" dirty="0"/>
+          </a:p>
+        </p:txBody>
+      </p:sp>
+      <p:sp>
+        <p:nvSpPr>
+          <p:cNvPr id="4" name="Segnaposto numero diapositiva 3"/>
+          <p:cNvSpPr>
+            <a:spLocks noGrp="1"/>
+          </p:cNvSpPr>
+          <p:nvPr>
+            <p:ph type="sldNum" sz="quarter" idx="5"/>
+          </p:nvPr>
+        </p:nvSpPr>
+        <p:spPr/>
+        <p:txBody>
+          <a:bodyPr/>
+          <a:lstStyle/>
+          <a:p>
+            <a:fld id="{6AB161AD-7B46-4BF5-9207-2949406A7CCE}" type="slidenum">
+              <a:rPr kumimoji="1" lang="ja-JP" altLang="en-US" smtClean="0"/>
+              <a:t>1</a:t>
+            </a:fld>
+            <a:endParaRPr kumimoji="1" lang="ja-JP" altLang="en-US"/>
+          </a:p>
+        </p:txBody>
+      </p:sp>
+    </p:spTree>
+    <p:extLst>
+      <p:ext uri="{BB962C8B-B14F-4D97-AF65-F5344CB8AC3E}">
+        <p14:creationId xmlns:p14="http://schemas.microsoft.com/office/powerpoint/2010/main" val="1463549969"/>
+      </p:ext>
+    </p:extLst>
+  </p:cSld>
+  <p:clrMapOvr>
+    <a:masterClrMapping/>
+  </p:clrMapOvr>
+</p:notes>
+</file>
+
+<file path=ppt/notesSlides/notesSlide2.xml><?xml version="1.0" encoding="utf-8"?>
+<p:notes xmlns:a="http://schemas.openxmlformats.org/drawingml/2006/main" xmlns:r="http://schemas.openxmlformats.org/officeDocument/2006/relationships" xmlns:p="http://schemas.openxmlformats.org/presentationml/2006/main">
+  <p:cSld>
+    <p:spTree>
+      <p:nvGrpSpPr>
+        <p:cNvPr id="1" name=""/>
+        <p:cNvGrpSpPr/>
+        <p:nvPr/>
+      </p:nvGrpSpPr>
+      <p:grpSpPr>
+        <a:xfrm>
+          <a:off x="0" y="0"/>
+          <a:ext cx="0" cy="0"/>
+          <a:chOff x="0" y="0"/>
+          <a:chExt cx="0" cy="0"/>
+        </a:xfrm>
+      </p:grpSpPr>
+      <p:sp>
+        <p:nvSpPr>
+          <p:cNvPr id="2" name="Segnaposto immagine diapositiva 1"/>
+          <p:cNvSpPr>
+            <a:spLocks noGrp="1" noRot="1" noChangeAspect="1"/>
+          </p:cNvSpPr>
+          <p:nvPr>
+            <p:ph type="sldImg"/>
+          </p:nvPr>
+        </p:nvSpPr>
+        <p:spPr/>
+      </p:sp>
+      <p:sp>
+        <p:nvSpPr>
+          <p:cNvPr id="3" name="Segnaposto note 2"/>
+          <p:cNvSpPr>
+            <a:spLocks noGrp="1"/>
+          </p:cNvSpPr>
+          <p:nvPr>
+            <p:ph type="body" idx="1"/>
+          </p:nvPr>
+        </p:nvSpPr>
+        <p:spPr/>
+        <p:txBody>
+          <a:bodyPr/>
+          <a:lstStyle/>
+          <a:p>
             <a:r>
               <a:rPr kumimoji="1" lang="it-IT" altLang="ja-JP" dirty="0"/>
               <a:t>Realizzare un algoritmo che ci trovi il massimo guadagno</a:t>
@@ -721,9 +805,9 @@
           <a:bodyPr/>
           <a:lstStyle/>
           <a:p>
-            <a:fld id="{89BF3945-DDD4-4A32-8CA8-8ECC67F56D0C}" type="datetimeFigureOut">
+            <a:fld id="{6C34BC92-1CF2-40D3-AF30-8F9711537D83}" type="datetime1">
               <a:rPr kumimoji="1" lang="ja-JP" altLang="en-US" smtClean="0"/>
-              <a:t>2024/12/17</a:t>
+              <a:t>2024/12/18</a:t>
             </a:fld>
             <a:endParaRPr kumimoji="1" lang="ja-JP" altLang="en-US"/>
           </a:p>
@@ -921,9 +1005,9 @@
           <a:bodyPr/>
           <a:lstStyle/>
           <a:p>
-            <a:fld id="{89BF3945-DDD4-4A32-8CA8-8ECC67F56D0C}" type="datetimeFigureOut">
+            <a:fld id="{EB85D346-E05D-4388-8633-E942D465BD79}" type="datetime1">
               <a:rPr kumimoji="1" lang="ja-JP" altLang="en-US" smtClean="0"/>
-              <a:t>2024/12/17</a:t>
+              <a:t>2024/12/18</a:t>
             </a:fld>
             <a:endParaRPr kumimoji="1" lang="ja-JP" altLang="en-US"/>
           </a:p>
@@ -1131,9 +1215,9 @@
           <a:bodyPr/>
           <a:lstStyle/>
           <a:p>
-            <a:fld id="{89BF3945-DDD4-4A32-8CA8-8ECC67F56D0C}" type="datetimeFigureOut">
+            <a:fld id="{27DDB15D-2FFC-4DF3-8873-22713DDB5751}" type="datetime1">
               <a:rPr kumimoji="1" lang="ja-JP" altLang="en-US" smtClean="0"/>
-              <a:t>2024/12/17</a:t>
+              <a:t>2024/12/18</a:t>
             </a:fld>
             <a:endParaRPr kumimoji="1" lang="ja-JP" altLang="en-US"/>
           </a:p>
@@ -1331,9 +1415,9 @@
           <a:bodyPr/>
           <a:lstStyle/>
           <a:p>
-            <a:fld id="{89BF3945-DDD4-4A32-8CA8-8ECC67F56D0C}" type="datetimeFigureOut">
+            <a:fld id="{906A36EB-24DC-48B5-9528-E9C99CD0E9E5}" type="datetime1">
               <a:rPr kumimoji="1" lang="ja-JP" altLang="en-US" smtClean="0"/>
-              <a:t>2024/12/17</a:t>
+              <a:t>2024/12/18</a:t>
             </a:fld>
             <a:endParaRPr kumimoji="1" lang="ja-JP" altLang="en-US"/>
           </a:p>
@@ -1607,9 +1691,9 @@
           <a:bodyPr/>
           <a:lstStyle/>
           <a:p>
-            <a:fld id="{89BF3945-DDD4-4A32-8CA8-8ECC67F56D0C}" type="datetimeFigureOut">
+            <a:fld id="{5587F9F0-E10A-4A1F-92C5-D5BD708D203D}" type="datetime1">
               <a:rPr kumimoji="1" lang="ja-JP" altLang="en-US" smtClean="0"/>
-              <a:t>2024/12/17</a:t>
+              <a:t>2024/12/18</a:t>
             </a:fld>
             <a:endParaRPr kumimoji="1" lang="ja-JP" altLang="en-US"/>
           </a:p>
@@ -1875,9 +1959,9 @@
           <a:bodyPr/>
           <a:lstStyle/>
           <a:p>
-            <a:fld id="{89BF3945-DDD4-4A32-8CA8-8ECC67F56D0C}" type="datetimeFigureOut">
+            <a:fld id="{85FA9EBA-F746-4735-8F59-950C1FAC2D7C}" type="datetime1">
               <a:rPr kumimoji="1" lang="ja-JP" altLang="en-US" smtClean="0"/>
-              <a:t>2024/12/17</a:t>
+              <a:t>2024/12/18</a:t>
             </a:fld>
             <a:endParaRPr kumimoji="1" lang="ja-JP" altLang="en-US"/>
           </a:p>
@@ -2290,9 +2374,9 @@
           <a:bodyPr/>
           <a:lstStyle/>
           <a:p>
-            <a:fld id="{89BF3945-DDD4-4A32-8CA8-8ECC67F56D0C}" type="datetimeFigureOut">
+            <a:fld id="{0710F839-063F-4C5F-A8A9-FD1D53E0A498}" type="datetime1">
               <a:rPr kumimoji="1" lang="ja-JP" altLang="en-US" smtClean="0"/>
-              <a:t>2024/12/17</a:t>
+              <a:t>2024/12/18</a:t>
             </a:fld>
             <a:endParaRPr kumimoji="1" lang="ja-JP" altLang="en-US"/>
           </a:p>
@@ -2432,9 +2516,9 @@
           <a:bodyPr/>
           <a:lstStyle/>
           <a:p>
-            <a:fld id="{89BF3945-DDD4-4A32-8CA8-8ECC67F56D0C}" type="datetimeFigureOut">
+            <a:fld id="{7965903F-B5D7-4D01-8C0D-E3978031E019}" type="datetime1">
               <a:rPr kumimoji="1" lang="ja-JP" altLang="en-US" smtClean="0"/>
-              <a:t>2024/12/17</a:t>
+              <a:t>2024/12/18</a:t>
             </a:fld>
             <a:endParaRPr kumimoji="1" lang="ja-JP" altLang="en-US"/>
           </a:p>
@@ -2545,9 +2629,9 @@
           <a:bodyPr/>
           <a:lstStyle/>
           <a:p>
-            <a:fld id="{89BF3945-DDD4-4A32-8CA8-8ECC67F56D0C}" type="datetimeFigureOut">
+            <a:fld id="{10856A7E-8C8E-465B-AE98-CC6734562576}" type="datetime1">
               <a:rPr kumimoji="1" lang="ja-JP" altLang="en-US" smtClean="0"/>
-              <a:t>2024/12/17</a:t>
+              <a:t>2024/12/18</a:t>
             </a:fld>
             <a:endParaRPr kumimoji="1" lang="ja-JP" altLang="en-US"/>
           </a:p>
@@ -2858,9 +2942,9 @@
           <a:bodyPr/>
           <a:lstStyle/>
           <a:p>
-            <a:fld id="{89BF3945-DDD4-4A32-8CA8-8ECC67F56D0C}" type="datetimeFigureOut">
+            <a:fld id="{8E8BC6DF-FCDD-490E-BDF3-A71718B4087E}" type="datetime1">
               <a:rPr kumimoji="1" lang="ja-JP" altLang="en-US" smtClean="0"/>
-              <a:t>2024/12/17</a:t>
+              <a:t>2024/12/18</a:t>
             </a:fld>
             <a:endParaRPr kumimoji="1" lang="ja-JP" altLang="en-US"/>
           </a:p>
@@ -3147,9 +3231,9 @@
           <a:bodyPr/>
           <a:lstStyle/>
           <a:p>
-            <a:fld id="{89BF3945-DDD4-4A32-8CA8-8ECC67F56D0C}" type="datetimeFigureOut">
+            <a:fld id="{CC929215-1951-461D-9432-26C9B25E7CC7}" type="datetime1">
               <a:rPr kumimoji="1" lang="ja-JP" altLang="en-US" smtClean="0"/>
-              <a:t>2024/12/17</a:t>
+              <a:t>2024/12/18</a:t>
             </a:fld>
             <a:endParaRPr kumimoji="1" lang="ja-JP" altLang="en-US"/>
           </a:p>
@@ -3390,9 +3474,9 @@
             </a:lvl1pPr>
           </a:lstStyle>
           <a:p>
-            <a:fld id="{89BF3945-DDD4-4A32-8CA8-8ECC67F56D0C}" type="datetimeFigureOut">
+            <a:fld id="{A049C970-6B6E-4CF2-9959-3F4E99759F48}" type="datetime1">
               <a:rPr kumimoji="1" lang="ja-JP" altLang="en-US" smtClean="0"/>
-              <a:t>2024/12/17</a:t>
+              <a:t>2024/12/18</a:t>
             </a:fld>
             <a:endParaRPr kumimoji="1" lang="ja-JP" altLang="en-US"/>
           </a:p>
@@ -3509,6 +3593,7 @@
     <p:sldLayoutId id="2147483658" r:id="rId10"/>
     <p:sldLayoutId id="2147483659" r:id="rId11"/>
   </p:sldLayoutIdLst>
+  <p:hf hdr="0" ftr="0" dt="0"/>
   <p:txStyles>
     <p:titleStyle>
       <a:lvl1pPr algn="l" defTabSz="914400" rtl="0" eaLnBrk="1" latinLnBrk="0" hangingPunct="1">
@@ -3798,7 +3883,7 @@
     <p:bg>
       <p:bgPr>
         <a:solidFill>
-          <a:srgbClr val="000000"/>
+          <a:schemeClr val="bg1"/>
         </a:solidFill>
         <a:effectLst/>
       </p:bgPr>
@@ -3817,12 +3902,12 @@
           <a:chExt cx="0" cy="0"/>
         </a:xfrm>
       </p:grpSpPr>
-      <p:sp>
-        <p:nvSpPr>
-          <p:cNvPr id="10" name="Rectangle 9">
-            <a:extLst>
-              <a:ext uri="{FF2B5EF4-FFF2-40B4-BE49-F238E27FC236}">
-                <a16:creationId xmlns:a16="http://schemas.microsoft.com/office/drawing/2014/main" id="{71B2258F-86CA-4D4D-8270-BC05FCDEBFB3}"/>
+      <p:sp useBgFill="1">
+        <p:nvSpPr>
+          <p:cNvPr id="30" name="Rectangle 29">
+            <a:extLst>
+              <a:ext uri="{FF2B5EF4-FFF2-40B4-BE49-F238E27FC236}">
+                <a16:creationId xmlns:a16="http://schemas.microsoft.com/office/drawing/2014/main" id="{91DC6ABD-215C-4EA8-A483-CEF5B99AB385}"/>
               </a:ext>
               <a:ext uri="{C183D7F6-B498-43B3-948B-1728B52AA6E4}">
                 <adec:decorative xmlns:adec="http://schemas.microsoft.com/office/drawing/2017/decorative" val="1"/>
@@ -3843,14 +3928,11 @@
         <p:spPr>
           <a:xfrm>
             <a:off x="0" y="0"/>
-            <a:ext cx="12192000" cy="6857999"/>
+            <a:ext cx="12191999" cy="6857365"/>
           </a:xfrm>
           <a:prstGeom prst="rect">
             <a:avLst/>
           </a:prstGeom>
-          <a:solidFill>
-            <a:srgbClr val="000000"/>
-          </a:solidFill>
           <a:ln>
             <a:noFill/>
           </a:ln>
@@ -3880,6 +3962,306 @@
           </a:p>
         </p:txBody>
       </p:sp>
+      <p:sp>
+        <p:nvSpPr>
+          <p:cNvPr id="2" name="Titolo 1">
+            <a:extLst>
+              <a:ext uri="{FF2B5EF4-FFF2-40B4-BE49-F238E27FC236}">
+                <a16:creationId xmlns:a16="http://schemas.microsoft.com/office/drawing/2014/main" id="{826F8E66-C02A-2DC7-DCE6-1DB43B9DD41D}"/>
+              </a:ext>
+            </a:extLst>
+          </p:cNvPr>
+          <p:cNvSpPr>
+            <a:spLocks noGrp="1"/>
+          </p:cNvSpPr>
+          <p:nvPr>
+            <p:ph type="ctrTitle"/>
+          </p:nvPr>
+        </p:nvSpPr>
+        <p:spPr>
+          <a:xfrm>
+            <a:off x="599609" y="679731"/>
+            <a:ext cx="4171994" cy="3736540"/>
+          </a:xfrm>
+        </p:spPr>
+        <p:txBody>
+          <a:bodyPr>
+            <a:normAutofit/>
+          </a:bodyPr>
+          <a:lstStyle/>
+          <a:p>
+            <a:pPr algn="l"/>
+            <a:r>
+              <a:rPr kumimoji="1" lang="it-IT" altLang="ja-JP" b="1" dirty="0"/>
+              <a:t>Figure Panini</a:t>
+            </a:r>
+            <a:endParaRPr kumimoji="1" lang="ja-JP" altLang="en-US" b="1" dirty="0"/>
+          </a:p>
+        </p:txBody>
+      </p:sp>
+      <p:sp>
+        <p:nvSpPr>
+          <p:cNvPr id="3" name="Sottotitolo 2">
+            <a:extLst>
+              <a:ext uri="{FF2B5EF4-FFF2-40B4-BE49-F238E27FC236}">
+                <a16:creationId xmlns:a16="http://schemas.microsoft.com/office/drawing/2014/main" id="{7FF43AC5-BBB6-F183-E367-690DD18F0199}"/>
+              </a:ext>
+            </a:extLst>
+          </p:cNvPr>
+          <p:cNvSpPr>
+            <a:spLocks noGrp="1"/>
+          </p:cNvSpPr>
+          <p:nvPr>
+            <p:ph type="subTitle" idx="1"/>
+          </p:nvPr>
+        </p:nvSpPr>
+        <p:spPr>
+          <a:xfrm>
+            <a:off x="599609" y="4685288"/>
+            <a:ext cx="4171994" cy="1035781"/>
+          </a:xfrm>
+        </p:spPr>
+        <p:txBody>
+          <a:bodyPr>
+            <a:normAutofit/>
+          </a:bodyPr>
+          <a:lstStyle/>
+          <a:p>
+            <a:pPr algn="l"/>
+            <a:r>
+              <a:rPr lang="it-IT" altLang="ja-JP" dirty="0"/>
+              <a:t>Michea Colautti</a:t>
+            </a:r>
+            <a:endParaRPr kumimoji="1" lang="it-IT" altLang="ja-JP" dirty="0"/>
+          </a:p>
+          <a:p>
+            <a:pPr algn="l"/>
+            <a:r>
+              <a:rPr kumimoji="1" lang="it-IT" altLang="ja-JP" dirty="0"/>
+              <a:t>Juli</a:t>
+            </a:r>
+            <a:r>
+              <a:rPr lang="it-IT" altLang="ja-JP" dirty="0"/>
+              <a:t>an Cummaudo</a:t>
+            </a:r>
+          </a:p>
+        </p:txBody>
+      </p:sp>
+      <p:grpSp>
+        <p:nvGrpSpPr>
+          <p:cNvPr id="32" name="Group 31">
+            <a:extLst>
+              <a:ext uri="{FF2B5EF4-FFF2-40B4-BE49-F238E27FC236}">
+                <a16:creationId xmlns:a16="http://schemas.microsoft.com/office/drawing/2014/main" id="{3AF6A671-C637-4547-85F4-51B6D1881399}"/>
+              </a:ext>
+              <a:ext uri="{C183D7F6-B498-43B3-948B-1728B52AA6E4}">
+                <adec:decorative xmlns:adec="http://schemas.microsoft.com/office/drawing/2017/decorative" val="1"/>
+              </a:ext>
+            </a:extLst>
+          </p:cNvPr>
+          <p:cNvGrpSpPr>
+            <a:grpSpLocks noGrp="1" noUngrp="1" noRot="1" noChangeAspect="1" noMove="1" noResize="1"/>
+          </p:cNvGrpSpPr>
+          <p:nvPr>
+            <p:extLst>
+              <p:ext uri="{386F3935-93C4-4BCD-93E2-E3B085C9AB24}">
+                <p16:designElem xmlns:p16="http://schemas.microsoft.com/office/powerpoint/2015/main" val="1"/>
+              </p:ext>
+            </p:extLst>
+          </p:nvPr>
+        </p:nvGrpSpPr>
+        <p:grpSpPr>
+          <a:xfrm>
+            <a:off x="9416432" y="1"/>
+            <a:ext cx="2446384" cy="5777808"/>
+            <a:chOff x="329184" y="1"/>
+            <a:chExt cx="524256" cy="5777808"/>
+          </a:xfrm>
+        </p:grpSpPr>
+        <p:cxnSp>
+          <p:nvCxnSpPr>
+            <p:cNvPr id="33" name="Straight Connector 32">
+              <a:extLst>
+                <a:ext uri="{FF2B5EF4-FFF2-40B4-BE49-F238E27FC236}">
+                  <a16:creationId xmlns:a16="http://schemas.microsoft.com/office/drawing/2014/main" id="{C575CF26-3D3C-4C5A-A2B7-00432016EF62}"/>
+                </a:ext>
+                <a:ext uri="{C183D7F6-B498-43B3-948B-1728B52AA6E4}">
+                  <adec:decorative xmlns:adec="http://schemas.microsoft.com/office/drawing/2017/decorative" val="1"/>
+                </a:ext>
+              </a:extLst>
+            </p:cNvPr>
+            <p:cNvCxnSpPr>
+              <a:cxnSpLocks/>
+            </p:cNvCxnSpPr>
+            <p:nvPr>
+              <p:extLst>
+                <p:ext uri="{386F3935-93C4-4BCD-93E2-E3B085C9AB24}">
+                  <p16:designElem xmlns:p16="http://schemas.microsoft.com/office/powerpoint/2015/main" val="1"/>
+                </p:ext>
+              </p:extLst>
+            </p:nvPr>
+          </p:nvCxnSpPr>
+          <p:spPr>
+            <a:xfrm flipH="1">
+              <a:off x="329184" y="5777809"/>
+              <a:ext cx="521208" cy="0"/>
+            </a:xfrm>
+            <a:prstGeom prst="line">
+              <a:avLst/>
+            </a:prstGeom>
+            <a:ln w="152400">
+              <a:solidFill>
+                <a:schemeClr val="accent4"/>
+              </a:solidFill>
+            </a:ln>
+          </p:spPr>
+          <p:style>
+            <a:lnRef idx="1">
+              <a:schemeClr val="accent1"/>
+            </a:lnRef>
+            <a:fillRef idx="0">
+              <a:schemeClr val="accent1"/>
+            </a:fillRef>
+            <a:effectRef idx="0">
+              <a:schemeClr val="accent1"/>
+            </a:effectRef>
+            <a:fontRef idx="minor">
+              <a:schemeClr val="tx1"/>
+            </a:fontRef>
+          </p:style>
+        </p:cxnSp>
+        <p:sp>
+          <p:nvSpPr>
+            <p:cNvPr id="34" name="Rectangle 33">
+              <a:extLst>
+                <a:ext uri="{FF2B5EF4-FFF2-40B4-BE49-F238E27FC236}">
+                  <a16:creationId xmlns:a16="http://schemas.microsoft.com/office/drawing/2014/main" id="{99413ED5-9ED4-4772-BCE4-2BCAE6B12E35}"/>
+                </a:ext>
+                <a:ext uri="{C183D7F6-B498-43B3-948B-1728B52AA6E4}">
+                  <adec:decorative xmlns:adec="http://schemas.microsoft.com/office/drawing/2017/decorative" val="1"/>
+                </a:ext>
+              </a:extLst>
+            </p:cNvPr>
+            <p:cNvSpPr/>
+            <p:nvPr>
+              <p:extLst>
+                <p:ext uri="{386F3935-93C4-4BCD-93E2-E3B085C9AB24}">
+                  <p16:designElem xmlns:p16="http://schemas.microsoft.com/office/powerpoint/2015/main" val="1"/>
+                </p:ext>
+              </p:extLst>
+            </p:nvPr>
+          </p:nvSpPr>
+          <p:spPr>
+            <a:xfrm>
+              <a:off x="329184" y="1"/>
+              <a:ext cx="524256" cy="5532119"/>
+            </a:xfrm>
+            <a:prstGeom prst="rect">
+              <a:avLst/>
+            </a:prstGeom>
+            <a:solidFill>
+              <a:schemeClr val="accent4"/>
+            </a:solidFill>
+            <a:ln>
+              <a:noFill/>
+            </a:ln>
+          </p:spPr>
+          <p:style>
+            <a:lnRef idx="2">
+              <a:schemeClr val="accent1">
+                <a:shade val="50000"/>
+              </a:schemeClr>
+            </a:lnRef>
+            <a:fillRef idx="1">
+              <a:schemeClr val="accent1"/>
+            </a:fillRef>
+            <a:effectRef idx="0">
+              <a:schemeClr val="accent1"/>
+            </a:effectRef>
+            <a:fontRef idx="minor">
+              <a:schemeClr val="lt1"/>
+            </a:fontRef>
+          </p:style>
+          <p:txBody>
+            <a:bodyPr rtlCol="0" anchor="ctr"/>
+            <a:lstStyle/>
+            <a:p>
+              <a:pPr algn="ctr"/>
+              <a:endParaRPr lang="en-US"/>
+            </a:p>
+          </p:txBody>
+        </p:sp>
+      </p:grpSp>
+      <p:sp>
+        <p:nvSpPr>
+          <p:cNvPr id="36" name="Rectangle 35">
+            <a:extLst>
+              <a:ext uri="{FF2B5EF4-FFF2-40B4-BE49-F238E27FC236}">
+                <a16:creationId xmlns:a16="http://schemas.microsoft.com/office/drawing/2014/main" id="{04357C93-F0CB-4A1C-8F77-4E9063789819}"/>
+              </a:ext>
+              <a:ext uri="{C183D7F6-B498-43B3-948B-1728B52AA6E4}">
+                <adec:decorative xmlns:adec="http://schemas.microsoft.com/office/drawing/2017/decorative" val="1"/>
+              </a:ext>
+            </a:extLst>
+          </p:cNvPr>
+          <p:cNvSpPr>
+            <a:spLocks noGrp="1" noRot="1" noChangeAspect="1" noMove="1" noResize="1" noEditPoints="1" noAdjustHandles="1" noChangeArrowheads="1" noChangeShapeType="1" noTextEdit="1"/>
+          </p:cNvSpPr>
+          <p:nvPr>
+            <p:extLst>
+              <p:ext uri="{386F3935-93C4-4BCD-93E2-E3B085C9AB24}">
+                <p16:designElem xmlns:p16="http://schemas.microsoft.com/office/powerpoint/2015/main" val="1"/>
+              </p:ext>
+            </p:extLst>
+          </p:nvPr>
+        </p:nvSpPr>
+        <p:spPr>
+          <a:xfrm>
+            <a:off x="5386598" y="269324"/>
+            <a:ext cx="6116779" cy="6208776"/>
+          </a:xfrm>
+          <a:prstGeom prst="rect">
+            <a:avLst/>
+          </a:prstGeom>
+          <a:solidFill>
+            <a:schemeClr val="bg1"/>
+          </a:solidFill>
+          <a:ln>
+            <a:noFill/>
+          </a:ln>
+          <a:effectLst>
+            <a:outerShdw blurRad="139700" dist="127000" dir="5400000" algn="t" rotWithShape="0">
+              <a:prstClr val="black">
+                <a:alpha val="15000"/>
+              </a:prstClr>
+            </a:outerShdw>
+          </a:effectLst>
+        </p:spPr>
+        <p:style>
+          <a:lnRef idx="2">
+            <a:schemeClr val="accent1">
+              <a:shade val="50000"/>
+            </a:schemeClr>
+          </a:lnRef>
+          <a:fillRef idx="1">
+            <a:schemeClr val="accent1"/>
+          </a:fillRef>
+          <a:effectRef idx="0">
+            <a:schemeClr val="accent1"/>
+          </a:effectRef>
+          <a:fontRef idx="minor">
+            <a:schemeClr val="lt1"/>
+          </a:fontRef>
+        </p:style>
+        <p:txBody>
+          <a:bodyPr rtlCol="0" anchor="ctr"/>
+          <a:lstStyle/>
+          <a:p>
+            <a:pPr algn="ctr"/>
+            <a:endParaRPr lang="en-US"/>
+          </a:p>
+        </p:txBody>
+      </p:sp>
       <p:pic>
         <p:nvPicPr>
           <p:cNvPr id="5" name="Immagine 4" descr="Immagine che contiene calcio/football americano, sport, attrezzature sportive, Calcio&#10;&#10;Descrizione generata automaticamente">
@@ -3895,8 +4277,7 @@
           <p:nvPr/>
         </p:nvPicPr>
         <p:blipFill>
-          <a:blip r:embed="rId2">
-            <a:alphaModFix amt="50000"/>
+          <a:blip r:embed="rId3">
             <a:extLst>
               <a:ext uri="{28A0092B-C50C-407E-A947-70E740481C1C}">
                 <a14:useLocalDpi xmlns:a14="http://schemas.microsoft.com/office/drawing/2010/main" val="0"/>
@@ -3908,8 +4289,8 @@
         </p:blipFill>
         <p:spPr>
           <a:xfrm>
-            <a:off x="20" y="1"/>
-            <a:ext cx="12191980" cy="6857999"/>
+            <a:off x="5640572" y="1796223"/>
+            <a:ext cx="5608830" cy="3154977"/>
           </a:xfrm>
           <a:prstGeom prst="rect">
             <a:avLst/>
@@ -3918,97 +4299,30 @@
       </p:pic>
       <p:sp>
         <p:nvSpPr>
-          <p:cNvPr id="2" name="Titolo 1">
-            <a:extLst>
-              <a:ext uri="{FF2B5EF4-FFF2-40B4-BE49-F238E27FC236}">
-                <a16:creationId xmlns:a16="http://schemas.microsoft.com/office/drawing/2014/main" id="{826F8E66-C02A-2DC7-DCE6-1DB43B9DD41D}"/>
-              </a:ext>
-            </a:extLst>
-          </p:cNvPr>
-          <p:cNvSpPr>
-            <a:spLocks noGrp="1"/>
-          </p:cNvSpPr>
-          <p:nvPr>
-            <p:ph type="ctrTitle"/>
-          </p:nvPr>
-        </p:nvSpPr>
-        <p:spPr>
-          <a:xfrm>
-            <a:off x="1524000" y="1122362"/>
-            <a:ext cx="9144000" cy="2900518"/>
-          </a:xfrm>
-        </p:spPr>
-        <p:txBody>
-          <a:bodyPr>
-            <a:normAutofit/>
-          </a:bodyPr>
-          <a:lstStyle/>
-          <a:p>
-            <a:r>
-              <a:rPr kumimoji="1" lang="it-IT" altLang="ja-JP" sz="11500" b="1" dirty="0">
-                <a:solidFill>
-                  <a:srgbClr val="FFFFFF"/>
-                </a:solidFill>
-              </a:rPr>
-              <a:t>Figure Panini</a:t>
-            </a:r>
-            <a:endParaRPr kumimoji="1" lang="ja-JP" altLang="en-US" sz="11500" b="1" dirty="0">
-              <a:solidFill>
-                <a:srgbClr val="FFFFFF"/>
-              </a:solidFill>
-            </a:endParaRPr>
-          </a:p>
-        </p:txBody>
-      </p:sp>
-      <p:sp>
-        <p:nvSpPr>
-          <p:cNvPr id="3" name="Sottotitolo 2">
-            <a:extLst>
-              <a:ext uri="{FF2B5EF4-FFF2-40B4-BE49-F238E27FC236}">
-                <a16:creationId xmlns:a16="http://schemas.microsoft.com/office/drawing/2014/main" id="{7FF43AC5-BBB6-F183-E367-690DD18F0199}"/>
-              </a:ext>
-            </a:extLst>
-          </p:cNvPr>
-          <p:cNvSpPr>
-            <a:spLocks noGrp="1"/>
-          </p:cNvSpPr>
-          <p:nvPr>
-            <p:ph type="subTitle" idx="1"/>
-          </p:nvPr>
-        </p:nvSpPr>
-        <p:spPr>
-          <a:xfrm>
-            <a:off x="1524000" y="4159404"/>
-            <a:ext cx="9144000" cy="1098395"/>
-          </a:xfrm>
-        </p:spPr>
-        <p:txBody>
-          <a:bodyPr>
-            <a:normAutofit/>
-          </a:bodyPr>
-          <a:lstStyle/>
-          <a:p>
-            <a:r>
-              <a:rPr kumimoji="1" lang="it-IT" altLang="ja-JP" dirty="0">
-                <a:solidFill>
-                  <a:srgbClr val="FFFFFF"/>
-                </a:solidFill>
-              </a:rPr>
-              <a:t>Juli</a:t>
-            </a:r>
-            <a:r>
-              <a:rPr lang="it-IT" altLang="ja-JP" dirty="0">
-                <a:solidFill>
-                  <a:srgbClr val="FFFFFF"/>
-                </a:solidFill>
-              </a:rPr>
-              <a:t>an Cummaudo, Michea Colautti</a:t>
-            </a:r>
-            <a:endParaRPr kumimoji="1" lang="ja-JP" altLang="en-US" dirty="0">
-              <a:solidFill>
-                <a:srgbClr val="FFFFFF"/>
-              </a:solidFill>
-            </a:endParaRPr>
+          <p:cNvPr id="4" name="Segnaposto numero diapositiva 3">
+            <a:extLst>
+              <a:ext uri="{FF2B5EF4-FFF2-40B4-BE49-F238E27FC236}">
+                <a16:creationId xmlns:a16="http://schemas.microsoft.com/office/drawing/2014/main" id="{6658B5CA-316E-E823-0B58-9141F84A9559}"/>
+              </a:ext>
+            </a:extLst>
+          </p:cNvPr>
+          <p:cNvSpPr>
+            <a:spLocks noGrp="1"/>
+          </p:cNvSpPr>
+          <p:nvPr>
+            <p:ph type="sldNum" sz="quarter" idx="12"/>
+          </p:nvPr>
+        </p:nvSpPr>
+        <p:spPr/>
+        <p:txBody>
+          <a:bodyPr/>
+          <a:lstStyle/>
+          <a:p>
+            <a:fld id="{CB8AE529-2650-4F73-B8F0-DECACEB363EC}" type="slidenum">
+              <a:rPr kumimoji="1" lang="ja-JP" altLang="en-US" smtClean="0"/>
+              <a:t>1</a:t>
+            </a:fld>
+            <a:endParaRPr kumimoji="1" lang="ja-JP" altLang="en-US"/>
           </a:p>
         </p:txBody>
       </p:sp>
@@ -4020,100 +4334,8 @@
     </p:extLst>
   </p:cSld>
   <p:clrMapOvr>
-    <a:overrideClrMapping bg1="dk1" tx1="lt1" bg2="dk2" tx2="lt2" accent1="accent1" accent2="accent2" accent3="accent3" accent4="accent4" accent5="accent5" accent6="accent6" hlink="hlink" folHlink="folHlink"/>
+    <a:masterClrMapping/>
   </p:clrMapOvr>
-  <p:timing>
-    <p:tnLst>
-      <p:par>
-        <p:cTn id="1" dur="indefinite" restart="never" nodeType="tmRoot">
-          <p:childTnLst>
-            <p:seq concurrent="1" nextAc="seek">
-              <p:cTn id="2" dur="indefinite" nodeType="mainSeq">
-                <p:childTnLst>
-                  <p:par>
-                    <p:cTn id="3" fill="hold">
-                      <p:stCondLst>
-                        <p:cond delay="indefinite"/>
-                        <p:cond evt="onBegin" delay="0">
-                          <p:tn val="2"/>
-                        </p:cond>
-                      </p:stCondLst>
-                      <p:childTnLst>
-                        <p:par>
-                          <p:cTn id="4" fill="hold">
-                            <p:stCondLst>
-                              <p:cond delay="0"/>
-                            </p:stCondLst>
-                            <p:childTnLst>
-                              <p:par>
-                                <p:cTn id="5" presetID="10" presetClass="entr" presetSubtype="0" fill="hold" grpId="0" nodeType="withEffect">
-                                  <p:stCondLst>
-                                    <p:cond delay="1000"/>
-                                  </p:stCondLst>
-                                  <p:iterate>
-                                    <p:tmPct val="10000"/>
-                                  </p:iterate>
-                                  <p:childTnLst>
-                                    <p:set>
-                                      <p:cBhvr>
-                                        <p:cTn id="6" dur="1" fill="hold">
-                                          <p:stCondLst>
-                                            <p:cond delay="0"/>
-                                          </p:stCondLst>
-                                        </p:cTn>
-                                        <p:tgtEl>
-                                          <p:spTgt spid="2"/>
-                                        </p:tgtEl>
-                                        <p:attrNameLst>
-                                          <p:attrName>style.visibility</p:attrName>
-                                        </p:attrNameLst>
-                                      </p:cBhvr>
-                                      <p:to>
-                                        <p:strVal val="visible"/>
-                                      </p:to>
-                                    </p:set>
-                                    <p:animEffect transition="in" filter="fade">
-                                      <p:cBhvr>
-                                        <p:cTn id="7" dur="700"/>
-                                        <p:tgtEl>
-                                          <p:spTgt spid="2"/>
-                                        </p:tgtEl>
-                                      </p:cBhvr>
-                                    </p:animEffect>
-                                  </p:childTnLst>
-                                </p:cTn>
-                              </p:par>
-                            </p:childTnLst>
-                          </p:cTn>
-                        </p:par>
-                      </p:childTnLst>
-                    </p:cTn>
-                  </p:par>
-                </p:childTnLst>
-              </p:cTn>
-              <p:prevCondLst>
-                <p:cond evt="onPrev" delay="0">
-                  <p:tgtEl>
-                    <p:sldTgt/>
-                  </p:tgtEl>
-                </p:cond>
-              </p:prevCondLst>
-              <p:nextCondLst>
-                <p:cond evt="onNext" delay="0">
-                  <p:tgtEl>
-                    <p:sldTgt/>
-                  </p:tgtEl>
-                </p:cond>
-              </p:nextCondLst>
-            </p:seq>
-          </p:childTnLst>
-        </p:cTn>
-      </p:par>
-    </p:tnLst>
-    <p:bldLst>
-      <p:bldP spid="2" grpId="0"/>
-    </p:bldLst>
-  </p:timing>
 </p:sld>
 </file>
 
@@ -4156,10 +4378,10 @@
           <a:lstStyle/>
           <a:p>
             <a:r>
-              <a:rPr kumimoji="1" lang="it-IT" altLang="ja-JP" dirty="0"/>
+              <a:rPr kumimoji="1" lang="it-IT" altLang="ja-JP" b="1" dirty="0"/>
               <a:t>Il problema</a:t>
             </a:r>
-            <a:endParaRPr kumimoji="1" lang="ja-JP" altLang="en-US" dirty="0"/>
+            <a:endParaRPr kumimoji="1" lang="ja-JP" altLang="en-US" b="1" dirty="0"/>
           </a:p>
         </p:txBody>
       </p:sp>
@@ -4291,6 +4513,35 @@
           <a:lstStyle/>
           <a:p>
             <a:pPr algn="ctr"/>
+            <a:endParaRPr kumimoji="1" lang="ja-JP" altLang="en-US"/>
+          </a:p>
+        </p:txBody>
+      </p:sp>
+      <p:sp>
+        <p:nvSpPr>
+          <p:cNvPr id="4" name="Segnaposto numero diapositiva 3">
+            <a:extLst>
+              <a:ext uri="{FF2B5EF4-FFF2-40B4-BE49-F238E27FC236}">
+                <a16:creationId xmlns:a16="http://schemas.microsoft.com/office/drawing/2014/main" id="{3369FD01-E5D3-4A59-6915-8DF7353EB2AA}"/>
+              </a:ext>
+            </a:extLst>
+          </p:cNvPr>
+          <p:cNvSpPr>
+            <a:spLocks noGrp="1"/>
+          </p:cNvSpPr>
+          <p:nvPr>
+            <p:ph type="sldNum" sz="quarter" idx="12"/>
+          </p:nvPr>
+        </p:nvSpPr>
+        <p:spPr/>
+        <p:txBody>
+          <a:bodyPr/>
+          <a:lstStyle/>
+          <a:p>
+            <a:fld id="{CB8AE529-2650-4F73-B8F0-DECACEB363EC}" type="slidenum">
+              <a:rPr kumimoji="1" lang="ja-JP" altLang="en-US" smtClean="0"/>
+              <a:t>2</a:t>
+            </a:fld>
             <a:endParaRPr kumimoji="1" lang="ja-JP" altLang="en-US"/>
           </a:p>
         </p:txBody>
@@ -4420,10 +4671,10 @@
           <a:lstStyle/>
           <a:p>
             <a:r>
-              <a:rPr kumimoji="1" lang="it-IT" altLang="ja-JP" dirty="0"/>
+              <a:rPr kumimoji="1" lang="it-IT" altLang="ja-JP" b="1" dirty="0"/>
               <a:t>Esempio completo</a:t>
             </a:r>
-            <a:endParaRPr kumimoji="1" lang="ja-JP" altLang="en-US" dirty="0"/>
+            <a:endParaRPr kumimoji="1" lang="ja-JP" altLang="en-US" b="1" dirty="0"/>
           </a:p>
         </p:txBody>
       </p:sp>
@@ -4712,6 +4963,35 @@
               <a:rPr lang="it-IT" altLang="ja-JP" dirty="0"/>
               <a:t>2/4 * 6 = 3 CHF</a:t>
             </a:r>
+          </a:p>
+        </p:txBody>
+      </p:sp>
+      <p:sp>
+        <p:nvSpPr>
+          <p:cNvPr id="3" name="Segnaposto numero diapositiva 2">
+            <a:extLst>
+              <a:ext uri="{FF2B5EF4-FFF2-40B4-BE49-F238E27FC236}">
+                <a16:creationId xmlns:a16="http://schemas.microsoft.com/office/drawing/2014/main" id="{4E28AD6B-5EB5-432E-615A-F5D5D2EB217A}"/>
+              </a:ext>
+            </a:extLst>
+          </p:cNvPr>
+          <p:cNvSpPr>
+            <a:spLocks noGrp="1"/>
+          </p:cNvSpPr>
+          <p:nvPr>
+            <p:ph type="sldNum" sz="quarter" idx="12"/>
+          </p:nvPr>
+        </p:nvSpPr>
+        <p:spPr/>
+        <p:txBody>
+          <a:bodyPr/>
+          <a:lstStyle/>
+          <a:p>
+            <a:fld id="{CB8AE529-2650-4F73-B8F0-DECACEB363EC}" type="slidenum">
+              <a:rPr kumimoji="1" lang="ja-JP" altLang="en-US" smtClean="0"/>
+              <a:t>3</a:t>
+            </a:fld>
+            <a:endParaRPr kumimoji="1" lang="ja-JP" altLang="en-US"/>
           </a:p>
         </p:txBody>
       </p:sp>
@@ -4886,6 +5166,14 @@
 <file path=ppt/slides/slide4.xml><?xml version="1.0" encoding="utf-8"?>
 <p:sld xmlns:a="http://schemas.openxmlformats.org/drawingml/2006/main" xmlns:r="http://schemas.openxmlformats.org/officeDocument/2006/relationships" xmlns:p="http://schemas.openxmlformats.org/presentationml/2006/main">
   <p:cSld>
+    <p:bg>
+      <p:bgPr>
+        <a:solidFill>
+          <a:schemeClr val="bg1"/>
+        </a:solidFill>
+        <a:effectLst/>
+      </p:bgPr>
+    </p:bg>
     <p:spTree>
       <p:nvGrpSpPr>
         <p:cNvPr id="1" name=""/>
@@ -4900,78 +5188,369 @@
           <a:chExt cx="0" cy="0"/>
         </a:xfrm>
       </p:grpSpPr>
-      <p:sp>
-        <p:nvSpPr>
-          <p:cNvPr id="2" name="Titolo 1">
-            <a:extLst>
-              <a:ext uri="{FF2B5EF4-FFF2-40B4-BE49-F238E27FC236}">
-                <a16:creationId xmlns:a16="http://schemas.microsoft.com/office/drawing/2014/main" id="{5B856660-FB8F-D752-CC1E-34EC5D8446A4}"/>
-              </a:ext>
-            </a:extLst>
-          </p:cNvPr>
-          <p:cNvSpPr>
-            <a:spLocks noGrp="1"/>
-          </p:cNvSpPr>
-          <p:nvPr>
-            <p:ph type="title"/>
-          </p:nvPr>
-        </p:nvSpPr>
-        <p:spPr/>
-        <p:txBody>
-          <a:bodyPr/>
-          <a:lstStyle/>
-          <a:p>
-            <a:r>
-              <a:rPr kumimoji="1" lang="it-IT" altLang="ja-JP" dirty="0"/>
-              <a:t>L’algoritmo: matrici usate</a:t>
-            </a:r>
-            <a:endParaRPr kumimoji="1" lang="ja-JP" altLang="en-US" dirty="0"/>
-          </a:p>
-        </p:txBody>
-      </p:sp>
-      <p:sp>
-        <p:nvSpPr>
-          <p:cNvPr id="3" name="Segnaposto contenuto 2">
-            <a:extLst>
-              <a:ext uri="{FF2B5EF4-FFF2-40B4-BE49-F238E27FC236}">
-                <a16:creationId xmlns:a16="http://schemas.microsoft.com/office/drawing/2014/main" id="{C883F05E-4907-F658-7AE5-3AEB53CE6B41}"/>
-              </a:ext>
-            </a:extLst>
-          </p:cNvPr>
-          <p:cNvSpPr>
-            <a:spLocks noGrp="1"/>
-          </p:cNvSpPr>
-          <p:nvPr>
-            <p:ph idx="1"/>
+      <p:sp useBgFill="1">
+        <p:nvSpPr>
+          <p:cNvPr id="8" name="Rectangle 7">
+            <a:extLst>
+              <a:ext uri="{FF2B5EF4-FFF2-40B4-BE49-F238E27FC236}">
+                <a16:creationId xmlns:a16="http://schemas.microsoft.com/office/drawing/2014/main" id="{DBF61EA3-B236-439E-9C0B-340980D56BEE}"/>
+              </a:ext>
+              <a:ext uri="{C183D7F6-B498-43B3-948B-1728B52AA6E4}">
+                <adec:decorative xmlns:adec="http://schemas.microsoft.com/office/drawing/2017/decorative" val="1"/>
+              </a:ext>
+            </a:extLst>
+          </p:cNvPr>
+          <p:cNvSpPr>
+            <a:spLocks noGrp="1" noRot="1" noChangeAspect="1" noMove="1" noResize="1" noEditPoints="1" noAdjustHandles="1" noChangeArrowheads="1" noChangeShapeType="1" noTextEdit="1"/>
+          </p:cNvSpPr>
+          <p:nvPr>
+            <p:extLst>
+              <p:ext uri="{386F3935-93C4-4BCD-93E2-E3B085C9AB24}">
+                <p16:designElem xmlns:p16="http://schemas.microsoft.com/office/powerpoint/2015/main" val="1"/>
+              </p:ext>
+            </p:extLst>
           </p:nvPr>
         </p:nvSpPr>
         <p:spPr>
           <a:xfrm>
-            <a:off x="838200" y="1371600"/>
-            <a:ext cx="10515600" cy="5121275"/>
+            <a:off x="0" y="0"/>
+            <a:ext cx="12191999" cy="6857365"/>
+          </a:xfrm>
+          <a:prstGeom prst="rect">
+            <a:avLst/>
+          </a:prstGeom>
+          <a:ln>
+            <a:noFill/>
+          </a:ln>
+        </p:spPr>
+        <p:style>
+          <a:lnRef idx="2">
+            <a:schemeClr val="accent1">
+              <a:shade val="50000"/>
+            </a:schemeClr>
+          </a:lnRef>
+          <a:fillRef idx="1">
+            <a:schemeClr val="accent1"/>
+          </a:fillRef>
+          <a:effectRef idx="0">
+            <a:schemeClr val="accent1"/>
+          </a:effectRef>
+          <a:fontRef idx="minor">
+            <a:schemeClr val="lt1"/>
+          </a:fontRef>
+        </p:style>
+        <p:txBody>
+          <a:bodyPr rtlCol="0" anchor="ctr"/>
+          <a:lstStyle/>
+          <a:p>
+            <a:pPr algn="ctr"/>
+            <a:endParaRPr lang="en-US"/>
+          </a:p>
+        </p:txBody>
+      </p:sp>
+      <p:sp>
+        <p:nvSpPr>
+          <p:cNvPr id="2" name="Titolo 1">
+            <a:extLst>
+              <a:ext uri="{FF2B5EF4-FFF2-40B4-BE49-F238E27FC236}">
+                <a16:creationId xmlns:a16="http://schemas.microsoft.com/office/drawing/2014/main" id="{5B856660-FB8F-D752-CC1E-34EC5D8446A4}"/>
+              </a:ext>
+            </a:extLst>
+          </p:cNvPr>
+          <p:cNvSpPr>
+            <a:spLocks noGrp="1"/>
+          </p:cNvSpPr>
+          <p:nvPr>
+            <p:ph type="title"/>
+          </p:nvPr>
+        </p:nvSpPr>
+        <p:spPr>
+          <a:xfrm>
+            <a:off x="808638" y="386930"/>
+            <a:ext cx="9236700" cy="1188950"/>
           </a:xfrm>
         </p:spPr>
         <p:txBody>
-          <a:bodyPr>
+          <a:bodyPr anchor="b">
             <a:normAutofit/>
           </a:bodyPr>
           <a:lstStyle/>
           <a:p>
+            <a:r>
+              <a:rPr kumimoji="1" lang="it-IT" altLang="ja-JP" sz="5400" b="1" dirty="0"/>
+              <a:t>L’algoritmo: matrici usate</a:t>
+            </a:r>
+            <a:endParaRPr kumimoji="1" lang="ja-JP" altLang="en-US" sz="5400" b="1" dirty="0"/>
+          </a:p>
+        </p:txBody>
+      </p:sp>
+      <p:grpSp>
+        <p:nvGrpSpPr>
+          <p:cNvPr id="10" name="Group 9">
+            <a:extLst>
+              <a:ext uri="{FF2B5EF4-FFF2-40B4-BE49-F238E27FC236}">
+                <a16:creationId xmlns:a16="http://schemas.microsoft.com/office/drawing/2014/main" id="{28FAF094-D087-493F-8DF9-A486C2D6BBAA}"/>
+              </a:ext>
+              <a:ext uri="{C183D7F6-B498-43B3-948B-1728B52AA6E4}">
+                <adec:decorative xmlns:adec="http://schemas.microsoft.com/office/drawing/2017/decorative" val="1"/>
+              </a:ext>
+            </a:extLst>
+          </p:cNvPr>
+          <p:cNvGrpSpPr>
+            <a:grpSpLocks noGrp="1" noUngrp="1" noRot="1" noChangeAspect="1" noMove="1" noResize="1"/>
+          </p:cNvGrpSpPr>
+          <p:nvPr>
+            <p:extLst>
+              <p:ext uri="{386F3935-93C4-4BCD-93E2-E3B085C9AB24}">
+                <p16:designElem xmlns:p16="http://schemas.microsoft.com/office/powerpoint/2015/main" val="1"/>
+              </p:ext>
+            </p:extLst>
+          </p:nvPr>
+        </p:nvGrpSpPr>
+        <p:grpSpPr>
+          <a:xfrm>
+            <a:off x="-2" y="1998368"/>
+            <a:ext cx="11695083" cy="782176"/>
+            <a:chOff x="-2" y="1998368"/>
+            <a:chExt cx="11695083" cy="782176"/>
+          </a:xfrm>
+        </p:grpSpPr>
+        <p:sp>
+          <p:nvSpPr>
+            <p:cNvPr id="11" name="Rectangle 10">
+              <a:extLst>
+                <a:ext uri="{FF2B5EF4-FFF2-40B4-BE49-F238E27FC236}">
+                  <a16:creationId xmlns:a16="http://schemas.microsoft.com/office/drawing/2014/main" id="{8D7C88D8-5509-4514-925A-9CE148E5CBD6}"/>
+                </a:ext>
+                <a:ext uri="{C183D7F6-B498-43B3-948B-1728B52AA6E4}">
+                  <adec:decorative xmlns:adec="http://schemas.microsoft.com/office/drawing/2017/decorative" val="1"/>
+                </a:ext>
+              </a:extLst>
+            </p:cNvPr>
+            <p:cNvSpPr/>
+            <p:nvPr>
+              <p:extLst>
+                <p:ext uri="{386F3935-93C4-4BCD-93E2-E3B085C9AB24}">
+                  <p16:designElem xmlns:p16="http://schemas.microsoft.com/office/powerpoint/2015/main" val="1"/>
+                </p:ext>
+              </p:extLst>
+            </p:nvPr>
+          </p:nvSpPr>
+          <p:spPr>
+            <a:xfrm rot="5400000">
+              <a:off x="11228040" y="2313027"/>
+              <a:ext cx="781700" cy="152382"/>
+            </a:xfrm>
+            <a:prstGeom prst="rect">
+              <a:avLst/>
+            </a:prstGeom>
+            <a:solidFill>
+              <a:schemeClr val="accent4"/>
+            </a:solidFill>
+            <a:ln>
+              <a:noFill/>
+            </a:ln>
+          </p:spPr>
+          <p:style>
+            <a:lnRef idx="2">
+              <a:schemeClr val="accent1">
+                <a:shade val="50000"/>
+              </a:schemeClr>
+            </a:lnRef>
+            <a:fillRef idx="1">
+              <a:schemeClr val="accent1"/>
+            </a:fillRef>
+            <a:effectRef idx="0">
+              <a:schemeClr val="accent1"/>
+            </a:effectRef>
+            <a:fontRef idx="minor">
+              <a:schemeClr val="lt1"/>
+            </a:fontRef>
+          </p:style>
+          <p:txBody>
+            <a:bodyPr rtlCol="0" anchor="ctr"/>
+            <a:lstStyle/>
+            <a:p>
+              <a:pPr algn="ctr"/>
+              <a:endParaRPr lang="en-US"/>
+            </a:p>
+          </p:txBody>
+        </p:sp>
+        <p:sp>
+          <p:nvSpPr>
+            <p:cNvPr id="12" name="Rectangle 11">
+              <a:extLst>
+                <a:ext uri="{FF2B5EF4-FFF2-40B4-BE49-F238E27FC236}">
+                  <a16:creationId xmlns:a16="http://schemas.microsoft.com/office/drawing/2014/main" id="{7275593D-F75E-4426-AE3E-2CDEFD228D25}"/>
+                </a:ext>
+                <a:ext uri="{C183D7F6-B498-43B3-948B-1728B52AA6E4}">
+                  <adec:decorative xmlns:adec="http://schemas.microsoft.com/office/drawing/2017/decorative" val="1"/>
+                </a:ext>
+              </a:extLst>
+            </p:cNvPr>
+            <p:cNvSpPr/>
+            <p:nvPr>
+              <p:extLst>
+                <p:ext uri="{386F3935-93C4-4BCD-93E2-E3B085C9AB24}">
+                  <p16:designElem xmlns:p16="http://schemas.microsoft.com/office/powerpoint/2015/main" val="1"/>
+                </p:ext>
+              </p:extLst>
+            </p:nvPr>
+          </p:nvSpPr>
+          <p:spPr>
+            <a:xfrm flipH="1" flipV="1">
+              <a:off x="-2" y="1998845"/>
+              <a:ext cx="11454595" cy="781699"/>
+            </a:xfrm>
+            <a:prstGeom prst="rect">
+              <a:avLst/>
+            </a:prstGeom>
+            <a:solidFill>
+              <a:schemeClr val="accent4"/>
+            </a:solidFill>
+            <a:ln>
+              <a:noFill/>
+            </a:ln>
+          </p:spPr>
+          <p:style>
+            <a:lnRef idx="2">
+              <a:schemeClr val="accent1">
+                <a:shade val="50000"/>
+              </a:schemeClr>
+            </a:lnRef>
+            <a:fillRef idx="1">
+              <a:schemeClr val="accent1"/>
+            </a:fillRef>
+            <a:effectRef idx="0">
+              <a:schemeClr val="accent1"/>
+            </a:effectRef>
+            <a:fontRef idx="minor">
+              <a:schemeClr val="lt1"/>
+            </a:fontRef>
+          </p:style>
+          <p:txBody>
+            <a:bodyPr rtlCol="0" anchor="ctr"/>
+            <a:lstStyle/>
+            <a:p>
+              <a:pPr algn="ctr"/>
+              <a:endParaRPr lang="en-US"/>
+            </a:p>
+          </p:txBody>
+        </p:sp>
+      </p:grpSp>
+      <p:sp>
+        <p:nvSpPr>
+          <p:cNvPr id="14" name="Rectangle 13">
+            <a:extLst>
+              <a:ext uri="{FF2B5EF4-FFF2-40B4-BE49-F238E27FC236}">
+                <a16:creationId xmlns:a16="http://schemas.microsoft.com/office/drawing/2014/main" id="{E659831F-0D9A-4C63-9EBB-8435B85A440F}"/>
+              </a:ext>
+              <a:ext uri="{C183D7F6-B498-43B3-948B-1728B52AA6E4}">
+                <adec:decorative xmlns:adec="http://schemas.microsoft.com/office/drawing/2017/decorative" val="1"/>
+              </a:ext>
+            </a:extLst>
+          </p:cNvPr>
+          <p:cNvSpPr>
+            <a:spLocks noGrp="1" noRot="1" noChangeAspect="1" noMove="1" noResize="1" noEditPoints="1" noAdjustHandles="1" noChangeArrowheads="1" noChangeShapeType="1" noTextEdit="1"/>
+          </p:cNvSpPr>
+          <p:nvPr>
+            <p:extLst>
+              <p:ext uri="{386F3935-93C4-4BCD-93E2-E3B085C9AB24}">
+                <p16:designElem xmlns:p16="http://schemas.microsoft.com/office/powerpoint/2015/main" val="1"/>
+              </p:ext>
+            </p:extLst>
+          </p:nvPr>
+        </p:nvSpPr>
+        <p:spPr>
+          <a:xfrm>
+            <a:off x="0" y="2203079"/>
+            <a:ext cx="11383362" cy="4147845"/>
+          </a:xfrm>
+          <a:prstGeom prst="rect">
+            <a:avLst/>
+          </a:prstGeom>
+          <a:solidFill>
+            <a:schemeClr val="bg1"/>
+          </a:solidFill>
+          <a:ln>
+            <a:noFill/>
+          </a:ln>
+          <a:effectLst>
+            <a:outerShdw blurRad="139700" dist="127000" dir="5400000" algn="t" rotWithShape="0">
+              <a:prstClr val="black">
+                <a:alpha val="15000"/>
+              </a:prstClr>
+            </a:outerShdw>
+          </a:effectLst>
+        </p:spPr>
+        <p:style>
+          <a:lnRef idx="2">
+            <a:schemeClr val="accent1">
+              <a:shade val="50000"/>
+            </a:schemeClr>
+          </a:lnRef>
+          <a:fillRef idx="1">
+            <a:schemeClr val="accent1"/>
+          </a:fillRef>
+          <a:effectRef idx="0">
+            <a:schemeClr val="accent1"/>
+          </a:effectRef>
+          <a:fontRef idx="minor">
+            <a:schemeClr val="lt1"/>
+          </a:fontRef>
+        </p:style>
+        <p:txBody>
+          <a:bodyPr rtlCol="0" anchor="ctr"/>
+          <a:lstStyle/>
+          <a:p>
+            <a:pPr algn="ctr"/>
+            <a:endParaRPr lang="en-US"/>
+          </a:p>
+        </p:txBody>
+      </p:sp>
+      <p:sp>
+        <p:nvSpPr>
+          <p:cNvPr id="3" name="Segnaposto contenuto 2">
+            <a:extLst>
+              <a:ext uri="{FF2B5EF4-FFF2-40B4-BE49-F238E27FC236}">
+                <a16:creationId xmlns:a16="http://schemas.microsoft.com/office/drawing/2014/main" id="{C883F05E-4907-F658-7AE5-3AEB53CE6B41}"/>
+              </a:ext>
+            </a:extLst>
+          </p:cNvPr>
+          <p:cNvSpPr>
+            <a:spLocks noGrp="1"/>
+          </p:cNvSpPr>
+          <p:nvPr>
+            <p:ph idx="1"/>
+          </p:nvPr>
+        </p:nvSpPr>
+        <p:spPr>
+          <a:xfrm>
+            <a:off x="496919" y="2203079"/>
+            <a:ext cx="10440409" cy="3831961"/>
+          </a:xfrm>
+        </p:spPr>
+        <p:txBody>
+          <a:bodyPr anchor="ctr">
+            <a:normAutofit fontScale="92500" lnSpcReduction="10000"/>
+          </a:bodyPr>
+          <a:lstStyle/>
+          <a:p>
             <a:pPr marL="0" indent="0">
               <a:buNone/>
             </a:pPr>
-            <a:endParaRPr lang="it-IT" altLang="ja-JP" sz="1800" dirty="0"/>
+            <a:endParaRPr lang="it-IT" altLang="ja-JP" sz="2000" dirty="0"/>
           </a:p>
           <a:p>
             <a:pPr marL="0" indent="0">
               <a:buNone/>
             </a:pPr>
             <a:r>
-              <a:rPr lang="it-IT" altLang="ja-JP" sz="1800" dirty="0" err="1"/>
+              <a:rPr lang="it-IT" altLang="ja-JP" sz="2000" dirty="0" err="1"/>
               <a:t>dp</a:t>
             </a:r>
             <a:r>
-              <a:rPr lang="it-IT" altLang="ja-JP" sz="1800" dirty="0"/>
+              <a:rPr lang="it-IT" altLang="ja-JP" sz="2000" dirty="0"/>
               <a:t>[][] = contiene i soldi e le carte possedute</a:t>
             </a:r>
           </a:p>
@@ -4980,11 +5559,11 @@
               <a:buNone/>
             </a:pPr>
             <a:r>
-              <a:rPr lang="it-IT" altLang="ja-JP" sz="1800" dirty="0" err="1"/>
+              <a:rPr lang="it-IT" altLang="ja-JP" sz="2000" dirty="0" err="1"/>
               <a:t>dp</a:t>
             </a:r>
             <a:r>
-              <a:rPr lang="it-IT" altLang="ja-JP" sz="1800" dirty="0"/>
+              <a:rPr lang="it-IT" altLang="ja-JP" sz="2000" dirty="0"/>
               <a:t>[i][0] = ad ogni posizione i ho i soldi del giorno</a:t>
             </a:r>
           </a:p>
@@ -4993,11 +5572,11 @@
               <a:buNone/>
             </a:pPr>
             <a:r>
-              <a:rPr lang="it-IT" altLang="ja-JP" sz="1800" dirty="0" err="1"/>
+              <a:rPr lang="it-IT" altLang="ja-JP" sz="2000" dirty="0" err="1"/>
               <a:t>dp</a:t>
             </a:r>
             <a:r>
-              <a:rPr lang="it-IT" altLang="ja-JP" sz="1800" dirty="0"/>
+              <a:rPr lang="it-IT" altLang="ja-JP" sz="2000" dirty="0"/>
               <a:t>[0][j] = ad ogni indice j posso avere o non avere una carta</a:t>
             </a:r>
           </a:p>
@@ -5006,7 +5585,20 @@
               <a:buNone/>
             </a:pPr>
             <a:r>
-              <a:rPr lang="it-IT" altLang="ja-JP" sz="1800" dirty="0"/>
+              <a:rPr lang="it-IT" altLang="ja-JP" sz="2000" dirty="0" err="1"/>
+              <a:t>buy</a:t>
+            </a:r>
+            <a:r>
+              <a:rPr lang="it-IT" altLang="ja-JP" sz="2000" dirty="0"/>
+              <a:t>[][] = matrice con tutti i prezzi delle carte</a:t>
+            </a:r>
+          </a:p>
+          <a:p>
+            <a:pPr marL="0" indent="0">
+              <a:buNone/>
+            </a:pPr>
+            <a:r>
+              <a:rPr lang="it-IT" altLang="ja-JP" sz="2000" dirty="0"/>
               <a:t>sell[][] = matrice con tutti i prezzi di vendita</a:t>
             </a:r>
           </a:p>
@@ -5014,22 +5606,28 @@
             <a:pPr marL="0" indent="0">
               <a:buNone/>
             </a:pPr>
-            <a:endParaRPr lang="it-IT" altLang="ja-JP" sz="1800" dirty="0"/>
+            <a:endParaRPr lang="it-IT" altLang="ja-JP" sz="2000" dirty="0"/>
           </a:p>
           <a:p>
             <a:pPr marL="0" indent="0">
               <a:buNone/>
             </a:pPr>
-            <a:r>
-              <a:rPr lang="it-IT" altLang="ja-JP" sz="1800" dirty="0"/>
+            <a:endParaRPr lang="it-IT" altLang="ja-JP" sz="2000" dirty="0"/>
+          </a:p>
+          <a:p>
+            <a:pPr marL="0" indent="0">
+              <a:buNone/>
+            </a:pPr>
+            <a:r>
+              <a:rPr lang="it-IT" altLang="ja-JP" sz="2000" dirty="0"/>
               <a:t>Eseguiamo un ciclo sui giorni totali con </a:t>
             </a:r>
             <a:r>
-              <a:rPr lang="it-IT" altLang="ja-JP" sz="1800" dirty="0" err="1"/>
+              <a:rPr lang="it-IT" altLang="ja-JP" sz="2000" dirty="0" err="1"/>
               <a:t>dp</a:t>
             </a:r>
             <a:r>
-              <a:rPr lang="it-IT" altLang="ja-JP" sz="1800" dirty="0"/>
+              <a:rPr lang="it-IT" altLang="ja-JP" sz="2000" dirty="0"/>
               <a:t>[i][0]</a:t>
             </a:r>
           </a:p>
@@ -5038,15 +5636,15 @@
               <a:buNone/>
             </a:pPr>
             <a:r>
-              <a:rPr lang="it-IT" altLang="ja-JP" sz="1800" dirty="0"/>
+              <a:rPr lang="it-IT" altLang="ja-JP" sz="2000" dirty="0"/>
               <a:t>Mentre eseguiamo un ciclo sui calciatori con </a:t>
             </a:r>
             <a:r>
-              <a:rPr lang="it-IT" altLang="ja-JP" sz="1800" dirty="0" err="1"/>
+              <a:rPr lang="it-IT" altLang="ja-JP" sz="2000" dirty="0" err="1"/>
               <a:t>dp</a:t>
             </a:r>
             <a:r>
-              <a:rPr lang="it-IT" altLang="ja-JP" sz="1800" dirty="0"/>
+              <a:rPr lang="it-IT" altLang="ja-JP" sz="2000" dirty="0"/>
               <a:t>[0][j]</a:t>
             </a:r>
           </a:p>
@@ -5054,7 +5652,36 @@
             <a:pPr marL="0" indent="0">
               <a:buNone/>
             </a:pPr>
-            <a:endParaRPr lang="it-IT" altLang="ja-JP" sz="1800" dirty="0"/>
+            <a:endParaRPr lang="it-IT" altLang="ja-JP" sz="2000" dirty="0"/>
+          </a:p>
+        </p:txBody>
+      </p:sp>
+      <p:sp>
+        <p:nvSpPr>
+          <p:cNvPr id="4" name="Segnaposto numero diapositiva 3">
+            <a:extLst>
+              <a:ext uri="{FF2B5EF4-FFF2-40B4-BE49-F238E27FC236}">
+                <a16:creationId xmlns:a16="http://schemas.microsoft.com/office/drawing/2014/main" id="{12FB0E9B-7F31-40BB-C73B-742FBFF9EF0F}"/>
+              </a:ext>
+            </a:extLst>
+          </p:cNvPr>
+          <p:cNvSpPr>
+            <a:spLocks noGrp="1"/>
+          </p:cNvSpPr>
+          <p:nvPr>
+            <p:ph type="sldNum" sz="quarter" idx="12"/>
+          </p:nvPr>
+        </p:nvSpPr>
+        <p:spPr/>
+        <p:txBody>
+          <a:bodyPr/>
+          <a:lstStyle/>
+          <a:p>
+            <a:fld id="{CB8AE529-2650-4F73-B8F0-DECACEB363EC}" type="slidenum">
+              <a:rPr kumimoji="1" lang="ja-JP" altLang="en-US" smtClean="0"/>
+              <a:t>4</a:t>
+            </a:fld>
+            <a:endParaRPr kumimoji="1" lang="ja-JP" altLang="en-US"/>
           </a:p>
         </p:txBody>
       </p:sp>
@@ -5110,14 +5737,14 @@
           <a:lstStyle/>
           <a:p>
             <a:r>
-              <a:rPr kumimoji="1" lang="it-IT" altLang="ja-JP" dirty="0"/>
+              <a:rPr kumimoji="1" lang="it-IT" altLang="ja-JP" b="1" dirty="0"/>
               <a:t>L’algoritmo: </a:t>
             </a:r>
             <a:r>
-              <a:rPr kumimoji="1" lang="it-IT" altLang="ja-JP" dirty="0" err="1"/>
+              <a:rPr kumimoji="1" lang="it-IT" altLang="ja-JP" b="1" dirty="0" err="1"/>
               <a:t>metacodice</a:t>
             </a:r>
-            <a:endParaRPr kumimoji="1" lang="ja-JP" altLang="en-US" dirty="0"/>
+            <a:endParaRPr kumimoji="1" lang="ja-JP" altLang="en-US" b="1" dirty="0"/>
           </a:p>
         </p:txBody>
       </p:sp>
@@ -5137,238 +5764,983 @@
             <p:ph idx="1"/>
           </p:nvPr>
         </p:nvSpPr>
-        <p:spPr/>
+        <p:spPr>
+          <a:xfrm>
+            <a:off x="838200" y="1690687"/>
+            <a:ext cx="10515600" cy="4879078"/>
+          </a:xfrm>
+          <a:ln w="28575">
+            <a:solidFill>
+              <a:schemeClr val="bg2">
+                <a:lumMod val="75000"/>
+              </a:schemeClr>
+            </a:solidFill>
+          </a:ln>
+        </p:spPr>
         <p:txBody>
           <a:bodyPr>
             <a:noAutofit/>
           </a:bodyPr>
           <a:lstStyle/>
           <a:p>
-            <a:r>
-              <a:rPr lang="it-IT" altLang="ja-JP" sz="1800" dirty="0"/>
-              <a:t>for( i&lt;Giorni){</a:t>
-            </a:r>
-          </a:p>
-          <a:p>
-            <a:pPr lvl="1"/>
-            <a:r>
-              <a:rPr lang="it-IT" altLang="ja-JP" sz="1800" dirty="0" err="1"/>
-              <a:t>d</a:t>
-            </a:r>
-            <a:r>
-              <a:rPr kumimoji="1" lang="it-IT" altLang="ja-JP" sz="1800" dirty="0" err="1"/>
-              <a:t>p</a:t>
-            </a:r>
-            <a:r>
-              <a:rPr kumimoji="1" lang="it-IT" altLang="ja-JP" sz="1800" dirty="0"/>
-              <a:t>[i][0] = </a:t>
-            </a:r>
-            <a:r>
-              <a:rPr kumimoji="1" lang="it-IT" altLang="ja-JP" sz="1800" dirty="0" err="1"/>
+            <a:pPr marL="0" indent="0">
+              <a:lnSpc>
+                <a:spcPts val="1425"/>
+              </a:lnSpc>
+              <a:buNone/>
+            </a:pPr>
+            <a:endParaRPr lang="it-CH" altLang="ja-JP" sz="2000" b="0" dirty="0">
+              <a:solidFill>
+                <a:srgbClr val="0000FF"/>
+              </a:solidFill>
+              <a:effectLst/>
+              <a:latin typeface="Consolas" panose="020B0609020204030204" pitchFamily="49" charset="0"/>
+            </a:endParaRPr>
+          </a:p>
+          <a:p>
+            <a:pPr marL="0" indent="0">
+              <a:lnSpc>
+                <a:spcPts val="1425"/>
+              </a:lnSpc>
+              <a:buNone/>
+            </a:pPr>
+            <a:r>
+              <a:rPr lang="it-CH" altLang="ja-JP" sz="2000" b="0" dirty="0">
+                <a:solidFill>
+                  <a:srgbClr val="0000FF"/>
+                </a:solidFill>
+                <a:effectLst/>
+                <a:latin typeface="Consolas" panose="020B0609020204030204" pitchFamily="49" charset="0"/>
+              </a:rPr>
+              <a:t>for</a:t>
+            </a:r>
+            <a:r>
+              <a:rPr lang="it-CH" altLang="ja-JP" sz="2000" b="0" dirty="0">
+                <a:solidFill>
+                  <a:srgbClr val="000000"/>
+                </a:solidFill>
+                <a:effectLst/>
+                <a:latin typeface="Consolas" panose="020B0609020204030204" pitchFamily="49" charset="0"/>
+              </a:rPr>
+              <a:t>(i &lt; Giorni){</a:t>
+            </a:r>
+          </a:p>
+          <a:p>
+            <a:pPr marL="0" indent="0">
+              <a:lnSpc>
+                <a:spcPts val="1425"/>
+              </a:lnSpc>
+              <a:buNone/>
+            </a:pPr>
+            <a:r>
+              <a:rPr lang="it-CH" altLang="ja-JP" sz="2000" b="0" dirty="0">
+                <a:solidFill>
+                  <a:srgbClr val="000000"/>
+                </a:solidFill>
+                <a:effectLst/>
+                <a:latin typeface="Consolas" panose="020B0609020204030204" pitchFamily="49" charset="0"/>
+              </a:rPr>
+              <a:t>    </a:t>
+            </a:r>
+            <a:r>
+              <a:rPr lang="it-CH" altLang="ja-JP" sz="2000" b="0" dirty="0" err="1">
+                <a:solidFill>
+                  <a:srgbClr val="000000"/>
+                </a:solidFill>
+                <a:effectLst/>
+                <a:latin typeface="Consolas" panose="020B0609020204030204" pitchFamily="49" charset="0"/>
+              </a:rPr>
               <a:t>dp</a:t>
             </a:r>
             <a:r>
-              <a:rPr kumimoji="1" lang="it-IT" altLang="ja-JP" sz="1800" dirty="0"/>
-              <a:t>[i-1][0]</a:t>
-            </a:r>
-            <a:r>
-              <a:rPr lang="it-IT" altLang="ja-JP" sz="1800" dirty="0"/>
-              <a:t>{</a:t>
-            </a:r>
-            <a:endParaRPr kumimoji="1" lang="it-IT" altLang="ja-JP" sz="1800" dirty="0"/>
-          </a:p>
-          <a:p>
-            <a:pPr lvl="1"/>
-            <a:r>
-              <a:rPr lang="it-IT" altLang="ja-JP" sz="1800" dirty="0"/>
-              <a:t>for(j&lt;Giocatori){</a:t>
-            </a:r>
-          </a:p>
-          <a:p>
-            <a:pPr lvl="2"/>
-            <a:r>
-              <a:rPr lang="it-IT" altLang="ja-JP" sz="1800" dirty="0" err="1"/>
+              <a:rPr lang="it-CH" altLang="ja-JP" sz="2000" b="0" dirty="0">
+                <a:solidFill>
+                  <a:srgbClr val="000000"/>
+                </a:solidFill>
+                <a:effectLst/>
+                <a:latin typeface="Consolas" panose="020B0609020204030204" pitchFamily="49" charset="0"/>
+              </a:rPr>
+              <a:t>[i][</a:t>
+            </a:r>
+            <a:r>
+              <a:rPr lang="it-CH" altLang="ja-JP" sz="2000" b="0" dirty="0">
+                <a:solidFill>
+                  <a:srgbClr val="098658"/>
+                </a:solidFill>
+                <a:effectLst/>
+                <a:latin typeface="Consolas" panose="020B0609020204030204" pitchFamily="49" charset="0"/>
+              </a:rPr>
+              <a:t>0</a:t>
+            </a:r>
+            <a:r>
+              <a:rPr lang="it-CH" altLang="ja-JP" sz="2000" b="0" dirty="0">
+                <a:solidFill>
+                  <a:srgbClr val="000000"/>
+                </a:solidFill>
+                <a:effectLst/>
+                <a:latin typeface="Consolas" panose="020B0609020204030204" pitchFamily="49" charset="0"/>
+              </a:rPr>
+              <a:t>] = </a:t>
+            </a:r>
+            <a:r>
+              <a:rPr lang="it-CH" altLang="ja-JP" sz="2000" b="0" dirty="0" err="1">
+                <a:solidFill>
+                  <a:srgbClr val="000000"/>
+                </a:solidFill>
+                <a:effectLst/>
+                <a:latin typeface="Consolas" panose="020B0609020204030204" pitchFamily="49" charset="0"/>
+              </a:rPr>
+              <a:t>dp</a:t>
+            </a:r>
+            <a:r>
+              <a:rPr lang="it-CH" altLang="ja-JP" sz="2000" b="0" dirty="0">
+                <a:solidFill>
+                  <a:srgbClr val="000000"/>
+                </a:solidFill>
+                <a:effectLst/>
+                <a:latin typeface="Consolas" panose="020B0609020204030204" pitchFamily="49" charset="0"/>
+              </a:rPr>
+              <a:t>[i-</a:t>
+            </a:r>
+            <a:r>
+              <a:rPr lang="it-CH" altLang="ja-JP" sz="2000" b="0" dirty="0">
+                <a:solidFill>
+                  <a:srgbClr val="098658"/>
+                </a:solidFill>
+                <a:effectLst/>
+                <a:latin typeface="Consolas" panose="020B0609020204030204" pitchFamily="49" charset="0"/>
+              </a:rPr>
+              <a:t>1</a:t>
+            </a:r>
+            <a:r>
+              <a:rPr lang="it-CH" altLang="ja-JP" sz="2000" b="0" dirty="0">
+                <a:solidFill>
+                  <a:srgbClr val="000000"/>
+                </a:solidFill>
+                <a:effectLst/>
+                <a:latin typeface="Consolas" panose="020B0609020204030204" pitchFamily="49" charset="0"/>
+              </a:rPr>
+              <a:t>][</a:t>
+            </a:r>
+            <a:r>
+              <a:rPr lang="it-CH" altLang="ja-JP" sz="2000" b="0" dirty="0">
+                <a:solidFill>
+                  <a:srgbClr val="098658"/>
+                </a:solidFill>
+                <a:effectLst/>
+                <a:latin typeface="Consolas" panose="020B0609020204030204" pitchFamily="49" charset="0"/>
+              </a:rPr>
+              <a:t>0</a:t>
+            </a:r>
+            <a:r>
+              <a:rPr lang="it-CH" altLang="ja-JP" sz="2000" b="0" dirty="0">
+                <a:solidFill>
+                  <a:srgbClr val="000000"/>
+                </a:solidFill>
+                <a:effectLst/>
+                <a:latin typeface="Consolas" panose="020B0609020204030204" pitchFamily="49" charset="0"/>
+              </a:rPr>
+              <a:t>]</a:t>
+            </a:r>
+          </a:p>
+          <a:p>
+            <a:pPr marL="0" indent="0">
+              <a:lnSpc>
+                <a:spcPts val="1425"/>
+              </a:lnSpc>
+              <a:buNone/>
+            </a:pPr>
+            <a:r>
+              <a:rPr lang="it-CH" altLang="ja-JP" sz="2000" b="0" dirty="0">
+                <a:solidFill>
+                  <a:srgbClr val="000000"/>
+                </a:solidFill>
+                <a:effectLst/>
+                <a:latin typeface="Consolas" panose="020B0609020204030204" pitchFamily="49" charset="0"/>
+              </a:rPr>
+              <a:t>    </a:t>
+            </a:r>
+            <a:r>
+              <a:rPr lang="it-CH" altLang="ja-JP" sz="2000" b="0" dirty="0">
+                <a:solidFill>
+                  <a:srgbClr val="0000FF"/>
+                </a:solidFill>
+                <a:effectLst/>
+                <a:latin typeface="Consolas" panose="020B0609020204030204" pitchFamily="49" charset="0"/>
+              </a:rPr>
+              <a:t>for</a:t>
+            </a:r>
+            <a:r>
+              <a:rPr lang="it-CH" altLang="ja-JP" sz="2000" b="0" dirty="0">
+                <a:solidFill>
+                  <a:srgbClr val="000000"/>
+                </a:solidFill>
+                <a:effectLst/>
+                <a:latin typeface="Consolas" panose="020B0609020204030204" pitchFamily="49" charset="0"/>
+              </a:rPr>
+              <a:t>(j &lt; Giocatori){</a:t>
+            </a:r>
+          </a:p>
+          <a:p>
+            <a:pPr marL="0" indent="0">
+              <a:lnSpc>
+                <a:spcPts val="1425"/>
+              </a:lnSpc>
+              <a:buNone/>
+            </a:pPr>
+            <a:r>
+              <a:rPr lang="it-CH" altLang="ja-JP" sz="2000" b="0" dirty="0">
+                <a:solidFill>
+                  <a:srgbClr val="000000"/>
+                </a:solidFill>
+                <a:effectLst/>
+                <a:latin typeface="Consolas" panose="020B0609020204030204" pitchFamily="49" charset="0"/>
+              </a:rPr>
+              <a:t>        </a:t>
+            </a:r>
+            <a:r>
+              <a:rPr lang="it-CH" altLang="ja-JP" sz="2000" b="0" dirty="0" err="1">
+                <a:solidFill>
+                  <a:srgbClr val="000000"/>
+                </a:solidFill>
+                <a:effectLst/>
+                <a:latin typeface="Consolas" panose="020B0609020204030204" pitchFamily="49" charset="0"/>
+              </a:rPr>
               <a:t>soldiVendendoCarta</a:t>
             </a:r>
             <a:r>
-              <a:rPr lang="it-IT" altLang="ja-JP" sz="1800" dirty="0"/>
+              <a:rPr lang="it-CH" altLang="ja-JP" sz="2000" b="0" dirty="0">
+                <a:solidFill>
+                  <a:srgbClr val="000000"/>
+                </a:solidFill>
+                <a:effectLst/>
+                <a:latin typeface="Consolas" panose="020B0609020204030204" pitchFamily="49" charset="0"/>
+              </a:rPr>
               <a:t> = </a:t>
             </a:r>
             <a:r>
-              <a:rPr lang="it-IT" altLang="ja-JP" sz="1800" dirty="0" err="1"/>
+              <a:rPr lang="it-CH" altLang="ja-JP" sz="2000" b="0" dirty="0" err="1">
+                <a:solidFill>
+                  <a:srgbClr val="000000"/>
+                </a:solidFill>
+                <a:effectLst/>
+                <a:latin typeface="Consolas" panose="020B0609020204030204" pitchFamily="49" charset="0"/>
+              </a:rPr>
               <a:t>dp</a:t>
             </a:r>
             <a:r>
-              <a:rPr lang="it-IT" altLang="ja-JP" sz="1800" dirty="0"/>
-              <a:t>[i-1][j] * sell[i-1][j-1]</a:t>
-            </a:r>
-          </a:p>
-          <a:p>
-            <a:pPr lvl="2"/>
-            <a:r>
-              <a:rPr lang="it-IT" altLang="ja-JP" sz="1800" dirty="0" err="1"/>
-              <a:t>i</a:t>
-            </a:r>
-            <a:r>
-              <a:rPr kumimoji="1" lang="it-IT" altLang="ja-JP" sz="1800" dirty="0" err="1"/>
-              <a:t>f</a:t>
-            </a:r>
-            <a:r>
-              <a:rPr kumimoji="1" lang="it-IT" altLang="ja-JP" sz="1800" dirty="0"/>
+              <a:rPr lang="it-CH" altLang="ja-JP" sz="2000" b="0" dirty="0">
+                <a:solidFill>
+                  <a:srgbClr val="000000"/>
+                </a:solidFill>
+                <a:effectLst/>
+                <a:latin typeface="Consolas" panose="020B0609020204030204" pitchFamily="49" charset="0"/>
+              </a:rPr>
+              <a:t>[i-</a:t>
+            </a:r>
+            <a:r>
+              <a:rPr lang="it-CH" altLang="ja-JP" sz="2000" b="0" dirty="0">
+                <a:solidFill>
+                  <a:srgbClr val="098658"/>
+                </a:solidFill>
+                <a:effectLst/>
+                <a:latin typeface="Consolas" panose="020B0609020204030204" pitchFamily="49" charset="0"/>
+              </a:rPr>
+              <a:t>1</a:t>
+            </a:r>
+            <a:r>
+              <a:rPr lang="it-CH" altLang="ja-JP" sz="2000" b="0" dirty="0">
+                <a:solidFill>
+                  <a:srgbClr val="000000"/>
+                </a:solidFill>
+                <a:effectLst/>
+                <a:latin typeface="Consolas" panose="020B0609020204030204" pitchFamily="49" charset="0"/>
+              </a:rPr>
+              <a:t>][j] * sell[i-</a:t>
+            </a:r>
+            <a:r>
+              <a:rPr lang="it-CH" altLang="ja-JP" sz="2000" b="0" dirty="0">
+                <a:solidFill>
+                  <a:srgbClr val="098658"/>
+                </a:solidFill>
+                <a:effectLst/>
+                <a:latin typeface="Consolas" panose="020B0609020204030204" pitchFamily="49" charset="0"/>
+              </a:rPr>
+              <a:t>1</a:t>
+            </a:r>
+            <a:r>
+              <a:rPr lang="it-CH" altLang="ja-JP" sz="2000" b="0" dirty="0">
+                <a:solidFill>
+                  <a:srgbClr val="000000"/>
+                </a:solidFill>
+                <a:effectLst/>
+                <a:latin typeface="Consolas" panose="020B0609020204030204" pitchFamily="49" charset="0"/>
+              </a:rPr>
+              <a:t>][j-</a:t>
+            </a:r>
+            <a:r>
+              <a:rPr lang="it-CH" altLang="ja-JP" sz="2000" b="0" dirty="0">
+                <a:solidFill>
+                  <a:srgbClr val="098658"/>
+                </a:solidFill>
+                <a:effectLst/>
+                <a:latin typeface="Consolas" panose="020B0609020204030204" pitchFamily="49" charset="0"/>
+              </a:rPr>
+              <a:t>1</a:t>
+            </a:r>
+            <a:r>
+              <a:rPr lang="it-CH" altLang="ja-JP" sz="2000" b="0" dirty="0">
+                <a:solidFill>
+                  <a:srgbClr val="000000"/>
+                </a:solidFill>
+                <a:effectLst/>
+                <a:latin typeface="Consolas" panose="020B0609020204030204" pitchFamily="49" charset="0"/>
+              </a:rPr>
+              <a:t>]</a:t>
+            </a:r>
+          </a:p>
+          <a:p>
+            <a:pPr marL="0" indent="0">
+              <a:lnSpc>
+                <a:spcPts val="1425"/>
+              </a:lnSpc>
+              <a:buNone/>
+            </a:pPr>
+            <a:r>
+              <a:rPr lang="it-CH" altLang="ja-JP" sz="2000" b="0" dirty="0">
+                <a:solidFill>
+                  <a:srgbClr val="000000"/>
+                </a:solidFill>
+                <a:effectLst/>
+                <a:latin typeface="Consolas" panose="020B0609020204030204" pitchFamily="49" charset="0"/>
+              </a:rPr>
+              <a:t>        </a:t>
+            </a:r>
+            <a:r>
+              <a:rPr lang="it-CH" altLang="ja-JP" sz="2000" b="0" dirty="0" err="1">
+                <a:solidFill>
+                  <a:srgbClr val="0000FF"/>
+                </a:solidFill>
+                <a:effectLst/>
+                <a:latin typeface="Consolas" panose="020B0609020204030204" pitchFamily="49" charset="0"/>
+              </a:rPr>
+              <a:t>if</a:t>
+            </a:r>
+            <a:r>
+              <a:rPr lang="it-CH" altLang="ja-JP" sz="2000" b="0" dirty="0">
+                <a:solidFill>
+                  <a:srgbClr val="000000"/>
+                </a:solidFill>
+                <a:effectLst/>
+                <a:latin typeface="Consolas" panose="020B0609020204030204" pitchFamily="49" charset="0"/>
+              </a:rPr>
               <a:t>(</a:t>
             </a:r>
             <a:r>
-              <a:rPr kumimoji="1" lang="it-IT" altLang="ja-JP" sz="1800" dirty="0" err="1"/>
+              <a:rPr lang="it-CH" altLang="ja-JP" sz="2000" b="0" dirty="0" err="1">
+                <a:solidFill>
+                  <a:srgbClr val="000000"/>
+                </a:solidFill>
+                <a:effectLst/>
+                <a:latin typeface="Consolas" panose="020B0609020204030204" pitchFamily="49" charset="0"/>
+              </a:rPr>
               <a:t>soldiVendendoCarta</a:t>
             </a:r>
             <a:r>
-              <a:rPr kumimoji="1" lang="it-IT" altLang="ja-JP" sz="1800" dirty="0"/>
+              <a:rPr lang="it-CH" altLang="ja-JP" sz="2000" b="0" dirty="0">
+                <a:solidFill>
+                  <a:srgbClr val="000000"/>
+                </a:solidFill>
+                <a:effectLst/>
+                <a:latin typeface="Consolas" panose="020B0609020204030204" pitchFamily="49" charset="0"/>
+              </a:rPr>
               <a:t> &gt; </a:t>
             </a:r>
             <a:r>
-              <a:rPr kumimoji="1" lang="it-IT" altLang="ja-JP" sz="1800" dirty="0" err="1"/>
+              <a:rPr lang="it-CH" altLang="ja-JP" sz="2000" b="0" dirty="0" err="1">
+                <a:solidFill>
+                  <a:srgbClr val="000000"/>
+                </a:solidFill>
+                <a:effectLst/>
+                <a:latin typeface="Consolas" panose="020B0609020204030204" pitchFamily="49" charset="0"/>
+              </a:rPr>
               <a:t>dp</a:t>
             </a:r>
             <a:r>
-              <a:rPr kumimoji="1" lang="it-IT" altLang="ja-JP" sz="1800" dirty="0"/>
-              <a:t>[i][0])</a:t>
-            </a:r>
-          </a:p>
-          <a:p>
-            <a:pPr lvl="3"/>
-            <a:r>
-              <a:rPr lang="it-IT" altLang="ja-JP" dirty="0" err="1"/>
+              <a:rPr lang="it-CH" altLang="ja-JP" sz="2000" b="0" dirty="0">
+                <a:solidFill>
+                  <a:srgbClr val="000000"/>
+                </a:solidFill>
+                <a:effectLst/>
+                <a:latin typeface="Consolas" panose="020B0609020204030204" pitchFamily="49" charset="0"/>
+              </a:rPr>
+              <a:t>[i][</a:t>
+            </a:r>
+            <a:r>
+              <a:rPr lang="it-CH" altLang="ja-JP" sz="2000" b="0" dirty="0">
+                <a:solidFill>
+                  <a:srgbClr val="098658"/>
+                </a:solidFill>
+                <a:effectLst/>
+                <a:latin typeface="Consolas" panose="020B0609020204030204" pitchFamily="49" charset="0"/>
+              </a:rPr>
+              <a:t>0</a:t>
+            </a:r>
+            <a:r>
+              <a:rPr lang="it-CH" altLang="ja-JP" sz="2000" b="0" dirty="0">
+                <a:solidFill>
+                  <a:srgbClr val="000000"/>
+                </a:solidFill>
+                <a:effectLst/>
+                <a:latin typeface="Consolas" panose="020B0609020204030204" pitchFamily="49" charset="0"/>
+              </a:rPr>
+              <a:t>])</a:t>
+            </a:r>
+          </a:p>
+          <a:p>
+            <a:pPr marL="0" indent="0">
+              <a:lnSpc>
+                <a:spcPts val="1425"/>
+              </a:lnSpc>
+              <a:buNone/>
+            </a:pPr>
+            <a:r>
+              <a:rPr lang="it-CH" altLang="ja-JP" sz="2000" b="0" dirty="0">
+                <a:solidFill>
+                  <a:srgbClr val="000000"/>
+                </a:solidFill>
+                <a:effectLst/>
+                <a:latin typeface="Consolas" panose="020B0609020204030204" pitchFamily="49" charset="0"/>
+              </a:rPr>
+              <a:t>            </a:t>
+            </a:r>
+            <a:r>
+              <a:rPr lang="it-CH" altLang="ja-JP" sz="2000" b="0" dirty="0" err="1">
+                <a:solidFill>
+                  <a:srgbClr val="000000"/>
+                </a:solidFill>
+                <a:effectLst/>
+                <a:latin typeface="Consolas" panose="020B0609020204030204" pitchFamily="49" charset="0"/>
+              </a:rPr>
               <a:t>dp</a:t>
             </a:r>
             <a:r>
-              <a:rPr lang="it-IT" altLang="ja-JP" dirty="0"/>
-              <a:t>[i][0]= </a:t>
-            </a:r>
-            <a:r>
-              <a:rPr lang="it-IT" altLang="ja-JP" dirty="0" err="1"/>
+              <a:rPr lang="it-CH" altLang="ja-JP" sz="2000" b="0" dirty="0">
+                <a:solidFill>
+                  <a:srgbClr val="000000"/>
+                </a:solidFill>
+                <a:effectLst/>
+                <a:latin typeface="Consolas" panose="020B0609020204030204" pitchFamily="49" charset="0"/>
+              </a:rPr>
+              <a:t>[i][</a:t>
+            </a:r>
+            <a:r>
+              <a:rPr lang="it-CH" altLang="ja-JP" sz="2000" b="0" dirty="0">
+                <a:solidFill>
+                  <a:srgbClr val="098658"/>
+                </a:solidFill>
+                <a:effectLst/>
+                <a:latin typeface="Consolas" panose="020B0609020204030204" pitchFamily="49" charset="0"/>
+              </a:rPr>
+              <a:t>0</a:t>
+            </a:r>
+            <a:r>
+              <a:rPr lang="it-CH" altLang="ja-JP" sz="2000" b="0" dirty="0">
+                <a:solidFill>
+                  <a:srgbClr val="000000"/>
+                </a:solidFill>
+                <a:effectLst/>
+                <a:latin typeface="Consolas" panose="020B0609020204030204" pitchFamily="49" charset="0"/>
+              </a:rPr>
+              <a:t>] = </a:t>
+            </a:r>
+            <a:r>
+              <a:rPr lang="it-CH" altLang="ja-JP" sz="2000" b="0" dirty="0" err="1">
+                <a:solidFill>
+                  <a:srgbClr val="000000"/>
+                </a:solidFill>
+                <a:effectLst/>
+                <a:latin typeface="Consolas" panose="020B0609020204030204" pitchFamily="49" charset="0"/>
+              </a:rPr>
               <a:t>soldiVendendoCarta</a:t>
             </a:r>
-            <a:endParaRPr lang="it-IT" altLang="ja-JP" dirty="0"/>
-          </a:p>
-          <a:p>
-            <a:pPr lvl="1"/>
-            <a:r>
-              <a:rPr lang="it-IT" altLang="ja-JP" sz="1800" dirty="0"/>
+            <a:endParaRPr lang="it-CH" altLang="ja-JP" sz="2000" b="0" dirty="0">
+              <a:solidFill>
+                <a:srgbClr val="000000"/>
+              </a:solidFill>
+              <a:effectLst/>
+              <a:latin typeface="Consolas" panose="020B0609020204030204" pitchFamily="49" charset="0"/>
+            </a:endParaRPr>
+          </a:p>
+          <a:p>
+            <a:pPr marL="0" indent="0">
+              <a:lnSpc>
+                <a:spcPts val="1425"/>
+              </a:lnSpc>
+              <a:buNone/>
+            </a:pPr>
+            <a:r>
+              <a:rPr lang="it-CH" altLang="ja-JP" sz="2000" b="0" dirty="0">
+                <a:solidFill>
+                  <a:srgbClr val="000000"/>
+                </a:solidFill>
+                <a:effectLst/>
+                <a:latin typeface="Consolas" panose="020B0609020204030204" pitchFamily="49" charset="0"/>
+              </a:rPr>
+              <a:t>    }</a:t>
+            </a:r>
+          </a:p>
+          <a:p>
+            <a:pPr marL="0" indent="0">
+              <a:lnSpc>
+                <a:spcPts val="1425"/>
+              </a:lnSpc>
+              <a:buNone/>
+            </a:pPr>
+            <a:r>
+              <a:rPr lang="it-CH" altLang="ja-JP" sz="2000" b="0" dirty="0">
+                <a:solidFill>
+                  <a:srgbClr val="000000"/>
+                </a:solidFill>
+                <a:effectLst/>
+                <a:latin typeface="Consolas" panose="020B0609020204030204" pitchFamily="49" charset="0"/>
+              </a:rPr>
+              <a:t>    </a:t>
+            </a:r>
+            <a:r>
+              <a:rPr lang="it-CH" altLang="ja-JP" sz="2000" b="0" dirty="0">
+                <a:solidFill>
+                  <a:srgbClr val="0000FF"/>
+                </a:solidFill>
+                <a:effectLst/>
+                <a:latin typeface="Consolas" panose="020B0609020204030204" pitchFamily="49" charset="0"/>
+              </a:rPr>
+              <a:t>for</a:t>
+            </a:r>
+            <a:r>
+              <a:rPr lang="it-CH" altLang="ja-JP" sz="2000" b="0" dirty="0">
+                <a:solidFill>
+                  <a:srgbClr val="000000"/>
+                </a:solidFill>
+                <a:effectLst/>
+                <a:latin typeface="Consolas" panose="020B0609020204030204" pitchFamily="49" charset="0"/>
+              </a:rPr>
+              <a:t>(j &lt; Giocatori){</a:t>
+            </a:r>
+          </a:p>
+          <a:p>
+            <a:pPr marL="0" indent="0">
+              <a:lnSpc>
+                <a:spcPts val="1425"/>
+              </a:lnSpc>
+              <a:buNone/>
+            </a:pPr>
+            <a:r>
+              <a:rPr lang="it-CH" altLang="ja-JP" sz="2000" b="0" dirty="0">
+                <a:solidFill>
+                  <a:srgbClr val="000000"/>
+                </a:solidFill>
+                <a:effectLst/>
+                <a:latin typeface="Consolas" panose="020B0609020204030204" pitchFamily="49" charset="0"/>
+              </a:rPr>
+              <a:t>        </a:t>
+            </a:r>
+            <a:r>
+              <a:rPr lang="it-CH" altLang="ja-JP" sz="2000" b="0" dirty="0" err="1">
+                <a:solidFill>
+                  <a:srgbClr val="000000"/>
+                </a:solidFill>
+                <a:effectLst/>
+                <a:latin typeface="Consolas" panose="020B0609020204030204" pitchFamily="49" charset="0"/>
+              </a:rPr>
+              <a:t>dp</a:t>
+            </a:r>
+            <a:r>
+              <a:rPr lang="it-CH" altLang="ja-JP" sz="2000" b="0" dirty="0">
+                <a:solidFill>
+                  <a:srgbClr val="000000"/>
+                </a:solidFill>
+                <a:effectLst/>
+                <a:latin typeface="Consolas" panose="020B0609020204030204" pitchFamily="49" charset="0"/>
+              </a:rPr>
+              <a:t>[i][j] = </a:t>
+            </a:r>
+            <a:r>
+              <a:rPr lang="it-CH" altLang="ja-JP" sz="2000" b="0" dirty="0" err="1">
+                <a:solidFill>
+                  <a:srgbClr val="000000"/>
+                </a:solidFill>
+                <a:effectLst/>
+                <a:latin typeface="Consolas" panose="020B0609020204030204" pitchFamily="49" charset="0"/>
+              </a:rPr>
+              <a:t>dp</a:t>
+            </a:r>
+            <a:r>
+              <a:rPr lang="it-CH" altLang="ja-JP" sz="2000" b="0" dirty="0">
+                <a:solidFill>
+                  <a:srgbClr val="000000"/>
+                </a:solidFill>
+                <a:effectLst/>
+                <a:latin typeface="Consolas" panose="020B0609020204030204" pitchFamily="49" charset="0"/>
+              </a:rPr>
+              <a:t>[i-</a:t>
+            </a:r>
+            <a:r>
+              <a:rPr lang="it-CH" altLang="ja-JP" sz="2000" b="0" dirty="0">
+                <a:solidFill>
+                  <a:srgbClr val="098658"/>
+                </a:solidFill>
+                <a:effectLst/>
+                <a:latin typeface="Consolas" panose="020B0609020204030204" pitchFamily="49" charset="0"/>
+              </a:rPr>
+              <a:t>1</a:t>
+            </a:r>
+            <a:r>
+              <a:rPr lang="it-CH" altLang="ja-JP" sz="2000" b="0" dirty="0">
+                <a:solidFill>
+                  <a:srgbClr val="000000"/>
+                </a:solidFill>
+                <a:effectLst/>
+                <a:latin typeface="Consolas" panose="020B0609020204030204" pitchFamily="49" charset="0"/>
+              </a:rPr>
+              <a:t>][j]</a:t>
+            </a:r>
+          </a:p>
+          <a:p>
+            <a:pPr marL="0" indent="0">
+              <a:lnSpc>
+                <a:spcPts val="1425"/>
+              </a:lnSpc>
+              <a:buNone/>
+            </a:pPr>
+            <a:r>
+              <a:rPr lang="it-CH" altLang="ja-JP" sz="2000" b="0" dirty="0">
+                <a:solidFill>
+                  <a:srgbClr val="000000"/>
+                </a:solidFill>
+                <a:effectLst/>
+                <a:latin typeface="Consolas" panose="020B0609020204030204" pitchFamily="49" charset="0"/>
+              </a:rPr>
+              <a:t>        </a:t>
+            </a:r>
+            <a:r>
+              <a:rPr lang="it-CH" altLang="ja-JP" sz="2000" b="0" dirty="0" err="1">
+                <a:solidFill>
+                  <a:srgbClr val="000000"/>
+                </a:solidFill>
+                <a:effectLst/>
+                <a:latin typeface="Consolas" panose="020B0609020204030204" pitchFamily="49" charset="0"/>
+              </a:rPr>
+              <a:t>cartaComprata</a:t>
+            </a:r>
+            <a:r>
+              <a:rPr lang="it-CH" altLang="ja-JP" sz="2000" b="0" dirty="0">
+                <a:solidFill>
+                  <a:srgbClr val="000000"/>
+                </a:solidFill>
+                <a:effectLst/>
+                <a:latin typeface="Consolas" panose="020B0609020204030204" pitchFamily="49" charset="0"/>
+              </a:rPr>
+              <a:t> = </a:t>
+            </a:r>
+            <a:r>
+              <a:rPr lang="it-CH" altLang="ja-JP" sz="2000" b="0" dirty="0" err="1">
+                <a:solidFill>
+                  <a:srgbClr val="000000"/>
+                </a:solidFill>
+                <a:effectLst/>
+                <a:latin typeface="Consolas" panose="020B0609020204030204" pitchFamily="49" charset="0"/>
+              </a:rPr>
+              <a:t>dp</a:t>
+            </a:r>
+            <a:r>
+              <a:rPr lang="it-CH" altLang="ja-JP" sz="2000" b="0" dirty="0">
+                <a:solidFill>
+                  <a:srgbClr val="000000"/>
+                </a:solidFill>
+                <a:effectLst/>
+                <a:latin typeface="Consolas" panose="020B0609020204030204" pitchFamily="49" charset="0"/>
+              </a:rPr>
+              <a:t>[i][</a:t>
+            </a:r>
+            <a:r>
+              <a:rPr lang="it-CH" altLang="ja-JP" sz="2000" b="0" dirty="0">
+                <a:solidFill>
+                  <a:srgbClr val="098658"/>
+                </a:solidFill>
+                <a:effectLst/>
+                <a:latin typeface="Consolas" panose="020B0609020204030204" pitchFamily="49" charset="0"/>
+              </a:rPr>
+              <a:t>0</a:t>
+            </a:r>
+            <a:r>
+              <a:rPr lang="it-CH" altLang="ja-JP" sz="2000" b="0" dirty="0">
+                <a:solidFill>
+                  <a:srgbClr val="000000"/>
+                </a:solidFill>
+                <a:effectLst/>
+                <a:latin typeface="Consolas" panose="020B0609020204030204" pitchFamily="49" charset="0"/>
+              </a:rPr>
+              <a:t>] / </a:t>
+            </a:r>
+            <a:r>
+              <a:rPr lang="it-CH" altLang="ja-JP" sz="2000" b="0" dirty="0" err="1">
+                <a:solidFill>
+                  <a:srgbClr val="000000"/>
+                </a:solidFill>
+                <a:effectLst/>
+                <a:latin typeface="Consolas" panose="020B0609020204030204" pitchFamily="49" charset="0"/>
+              </a:rPr>
+              <a:t>buy</a:t>
+            </a:r>
+            <a:r>
+              <a:rPr lang="it-CH" altLang="ja-JP" sz="2000" b="0" dirty="0">
+                <a:solidFill>
+                  <a:srgbClr val="000000"/>
+                </a:solidFill>
+                <a:effectLst/>
+                <a:latin typeface="Consolas" panose="020B0609020204030204" pitchFamily="49" charset="0"/>
+              </a:rPr>
+              <a:t>[i-</a:t>
+            </a:r>
+            <a:r>
+              <a:rPr lang="it-CH" altLang="ja-JP" sz="2000" b="0" dirty="0">
+                <a:solidFill>
+                  <a:srgbClr val="098658"/>
+                </a:solidFill>
+                <a:effectLst/>
+                <a:latin typeface="Consolas" panose="020B0609020204030204" pitchFamily="49" charset="0"/>
+              </a:rPr>
+              <a:t>1</a:t>
+            </a:r>
+            <a:r>
+              <a:rPr lang="it-CH" altLang="ja-JP" sz="2000" b="0" dirty="0">
+                <a:solidFill>
+                  <a:srgbClr val="000000"/>
+                </a:solidFill>
+                <a:effectLst/>
+                <a:latin typeface="Consolas" panose="020B0609020204030204" pitchFamily="49" charset="0"/>
+              </a:rPr>
+              <a:t>][j-</a:t>
+            </a:r>
+            <a:r>
+              <a:rPr lang="it-CH" altLang="ja-JP" sz="2000" b="0" dirty="0">
+                <a:solidFill>
+                  <a:srgbClr val="098658"/>
+                </a:solidFill>
+                <a:effectLst/>
+                <a:latin typeface="Consolas" panose="020B0609020204030204" pitchFamily="49" charset="0"/>
+              </a:rPr>
+              <a:t>1</a:t>
+            </a:r>
+            <a:r>
+              <a:rPr lang="it-CH" altLang="ja-JP" sz="2000" b="0" dirty="0">
+                <a:solidFill>
+                  <a:srgbClr val="000000"/>
+                </a:solidFill>
+                <a:effectLst/>
+                <a:latin typeface="Consolas" panose="020B0609020204030204" pitchFamily="49" charset="0"/>
+              </a:rPr>
+              <a:t>]</a:t>
+            </a:r>
+          </a:p>
+          <a:p>
+            <a:pPr marL="0" indent="0">
+              <a:lnSpc>
+                <a:spcPts val="1425"/>
+              </a:lnSpc>
+              <a:buNone/>
+            </a:pPr>
+            <a:r>
+              <a:rPr lang="it-CH" altLang="ja-JP" sz="2000" b="0" dirty="0">
+                <a:solidFill>
+                  <a:srgbClr val="000000"/>
+                </a:solidFill>
+                <a:effectLst/>
+                <a:latin typeface="Consolas" panose="020B0609020204030204" pitchFamily="49" charset="0"/>
+              </a:rPr>
+              <a:t>        </a:t>
+            </a:r>
+            <a:r>
+              <a:rPr lang="it-CH" altLang="ja-JP" sz="2000" b="0" dirty="0" err="1">
+                <a:solidFill>
+                  <a:srgbClr val="0000FF"/>
+                </a:solidFill>
+                <a:effectLst/>
+                <a:latin typeface="Consolas" panose="020B0609020204030204" pitchFamily="49" charset="0"/>
+              </a:rPr>
+              <a:t>if</a:t>
+            </a:r>
+            <a:r>
+              <a:rPr lang="it-CH" altLang="ja-JP" sz="2000" b="0" dirty="0">
+                <a:solidFill>
+                  <a:srgbClr val="000000"/>
+                </a:solidFill>
+                <a:effectLst/>
+                <a:latin typeface="Consolas" panose="020B0609020204030204" pitchFamily="49" charset="0"/>
+              </a:rPr>
+              <a:t>(</a:t>
+            </a:r>
+            <a:r>
+              <a:rPr lang="it-CH" altLang="ja-JP" sz="2000" b="0" dirty="0" err="1">
+                <a:solidFill>
+                  <a:srgbClr val="000000"/>
+                </a:solidFill>
+                <a:effectLst/>
+                <a:latin typeface="Consolas" panose="020B0609020204030204" pitchFamily="49" charset="0"/>
+              </a:rPr>
+              <a:t>cartaComprata</a:t>
+            </a:r>
+            <a:r>
+              <a:rPr lang="it-CH" altLang="ja-JP" sz="2000" b="0" dirty="0">
+                <a:solidFill>
+                  <a:srgbClr val="000000"/>
+                </a:solidFill>
+                <a:effectLst/>
+                <a:latin typeface="Consolas" panose="020B0609020204030204" pitchFamily="49" charset="0"/>
+              </a:rPr>
+              <a:t> &gt; </a:t>
+            </a:r>
+            <a:r>
+              <a:rPr lang="it-CH" altLang="ja-JP" sz="2000" b="0" dirty="0" err="1">
+                <a:solidFill>
+                  <a:srgbClr val="000000"/>
+                </a:solidFill>
+                <a:effectLst/>
+                <a:latin typeface="Consolas" panose="020B0609020204030204" pitchFamily="49" charset="0"/>
+              </a:rPr>
+              <a:t>dp</a:t>
+            </a:r>
+            <a:r>
+              <a:rPr lang="it-CH" altLang="ja-JP" sz="2000" b="0" dirty="0">
+                <a:solidFill>
+                  <a:srgbClr val="000000"/>
+                </a:solidFill>
+                <a:effectLst/>
+                <a:latin typeface="Consolas" panose="020B0609020204030204" pitchFamily="49" charset="0"/>
+              </a:rPr>
+              <a:t>[i][j])</a:t>
+            </a:r>
+          </a:p>
+          <a:p>
+            <a:pPr marL="0" indent="0">
+              <a:lnSpc>
+                <a:spcPts val="1425"/>
+              </a:lnSpc>
+              <a:buNone/>
+            </a:pPr>
+            <a:r>
+              <a:rPr lang="it-CH" altLang="ja-JP" sz="2000" b="0" dirty="0">
+                <a:solidFill>
+                  <a:srgbClr val="000000"/>
+                </a:solidFill>
+                <a:effectLst/>
+                <a:latin typeface="Consolas" panose="020B0609020204030204" pitchFamily="49" charset="0"/>
+              </a:rPr>
+              <a:t>            </a:t>
+            </a:r>
+            <a:r>
+              <a:rPr lang="it-CH" altLang="ja-JP" sz="2000" b="0" dirty="0" err="1">
+                <a:solidFill>
+                  <a:srgbClr val="000000"/>
+                </a:solidFill>
+                <a:effectLst/>
+                <a:latin typeface="Consolas" panose="020B0609020204030204" pitchFamily="49" charset="0"/>
+              </a:rPr>
+              <a:t>dp</a:t>
+            </a:r>
+            <a:r>
+              <a:rPr lang="it-CH" altLang="ja-JP" sz="2000" b="0" dirty="0">
+                <a:solidFill>
+                  <a:srgbClr val="000000"/>
+                </a:solidFill>
+                <a:effectLst/>
+                <a:latin typeface="Consolas" panose="020B0609020204030204" pitchFamily="49" charset="0"/>
+              </a:rPr>
+              <a:t>[i][j] = </a:t>
+            </a:r>
+            <a:r>
+              <a:rPr lang="it-CH" altLang="ja-JP" sz="2000" b="0" dirty="0" err="1">
+                <a:solidFill>
+                  <a:srgbClr val="000000"/>
+                </a:solidFill>
+                <a:effectLst/>
+                <a:latin typeface="Consolas" panose="020B0609020204030204" pitchFamily="49" charset="0"/>
+              </a:rPr>
+              <a:t>cartaComprata</a:t>
+            </a:r>
+            <a:endParaRPr lang="it-CH" altLang="ja-JP" sz="2000" b="0" dirty="0">
+              <a:solidFill>
+                <a:srgbClr val="000000"/>
+              </a:solidFill>
+              <a:effectLst/>
+              <a:latin typeface="Consolas" panose="020B0609020204030204" pitchFamily="49" charset="0"/>
+            </a:endParaRPr>
+          </a:p>
+          <a:p>
+            <a:pPr marL="0" indent="0">
+              <a:lnSpc>
+                <a:spcPts val="1425"/>
+              </a:lnSpc>
+              <a:buNone/>
+            </a:pPr>
+            <a:r>
+              <a:rPr lang="it-CH" altLang="ja-JP" sz="2000" b="0" dirty="0">
+                <a:solidFill>
+                  <a:srgbClr val="000000"/>
+                </a:solidFill>
+                <a:effectLst/>
+                <a:latin typeface="Consolas" panose="020B0609020204030204" pitchFamily="49" charset="0"/>
+              </a:rPr>
+              <a:t>    }</a:t>
+            </a:r>
+          </a:p>
+          <a:p>
+            <a:pPr marL="0" indent="0">
+              <a:lnSpc>
+                <a:spcPts val="1425"/>
+              </a:lnSpc>
+              <a:buNone/>
+            </a:pPr>
+            <a:r>
+              <a:rPr lang="it-CH" altLang="ja-JP" sz="2000" b="0" dirty="0">
+                <a:solidFill>
+                  <a:srgbClr val="000000"/>
+                </a:solidFill>
+                <a:effectLst/>
+                <a:latin typeface="Consolas" panose="020B0609020204030204" pitchFamily="49" charset="0"/>
+              </a:rPr>
               <a:t>}</a:t>
             </a:r>
           </a:p>
-          <a:p>
-            <a:pPr lvl="1"/>
-            <a:r>
-              <a:rPr lang="it-IT" altLang="ja-JP" sz="1800" dirty="0"/>
-              <a:t>for(j&lt;Giocatori){</a:t>
-            </a:r>
-          </a:p>
-          <a:p>
-            <a:pPr lvl="2"/>
-            <a:r>
-              <a:rPr lang="it-IT" altLang="ja-JP" sz="1800" dirty="0" err="1"/>
-              <a:t>dp</a:t>
-            </a:r>
-            <a:r>
-              <a:rPr lang="it-IT" altLang="ja-JP" sz="1800" dirty="0"/>
-              <a:t>[i][j]=</a:t>
-            </a:r>
-            <a:r>
-              <a:rPr lang="it-IT" altLang="ja-JP" sz="1800" dirty="0" err="1"/>
-              <a:t>dp</a:t>
-            </a:r>
-            <a:r>
-              <a:rPr lang="it-IT" altLang="ja-JP" sz="1800" dirty="0"/>
-              <a:t>[i-1][j]</a:t>
-            </a:r>
-          </a:p>
-          <a:p>
-            <a:pPr lvl="2"/>
-            <a:r>
-              <a:rPr lang="it-IT" altLang="ja-JP" sz="1800" dirty="0" err="1"/>
-              <a:t>cartaComprata</a:t>
-            </a:r>
-            <a:r>
-              <a:rPr lang="it-IT" altLang="ja-JP" sz="1800" dirty="0"/>
-              <a:t> = </a:t>
-            </a:r>
-            <a:r>
-              <a:rPr lang="it-IT" altLang="ja-JP" sz="1800" dirty="0" err="1"/>
-              <a:t>dp</a:t>
-            </a:r>
-            <a:r>
-              <a:rPr lang="it-IT" altLang="ja-JP" sz="1800" dirty="0"/>
-              <a:t>[i][0] / </a:t>
-            </a:r>
-            <a:r>
-              <a:rPr lang="it-IT" altLang="ja-JP" sz="1800" dirty="0" err="1"/>
-              <a:t>buy</a:t>
-            </a:r>
-            <a:r>
-              <a:rPr lang="it-IT" altLang="ja-JP" sz="1800" dirty="0"/>
-              <a:t>[i-1][j-1]</a:t>
-            </a:r>
-          </a:p>
-          <a:p>
-            <a:pPr lvl="2"/>
-            <a:r>
-              <a:rPr lang="it-IT" altLang="ja-JP" sz="1800" dirty="0" err="1"/>
-              <a:t>i</a:t>
-            </a:r>
-            <a:r>
-              <a:rPr kumimoji="1" lang="it-IT" altLang="ja-JP" sz="1800" dirty="0" err="1"/>
-              <a:t>f</a:t>
-            </a:r>
-            <a:r>
-              <a:rPr kumimoji="1" lang="it-IT" altLang="ja-JP" sz="1800" dirty="0"/>
-              <a:t>(</a:t>
-            </a:r>
-            <a:r>
-              <a:rPr kumimoji="1" lang="it-IT" altLang="ja-JP" sz="1800" dirty="0" err="1"/>
-              <a:t>cartaComprata</a:t>
-            </a:r>
-            <a:r>
-              <a:rPr kumimoji="1" lang="it-IT" altLang="ja-JP" sz="1800" dirty="0"/>
-              <a:t> &gt; </a:t>
-            </a:r>
-            <a:r>
-              <a:rPr kumimoji="1" lang="it-IT" altLang="ja-JP" sz="1800" dirty="0" err="1"/>
-              <a:t>dp</a:t>
-            </a:r>
-            <a:r>
-              <a:rPr kumimoji="1" lang="it-IT" altLang="ja-JP" sz="1800" dirty="0"/>
-              <a:t>[i][j])</a:t>
-            </a:r>
-          </a:p>
-          <a:p>
-            <a:pPr lvl="3"/>
-            <a:r>
-              <a:rPr lang="it-IT" altLang="ja-JP" dirty="0" err="1"/>
-              <a:t>dp</a:t>
-            </a:r>
-            <a:r>
-              <a:rPr lang="it-IT" altLang="ja-JP" dirty="0"/>
-              <a:t>[i][j]= </a:t>
-            </a:r>
-            <a:r>
-              <a:rPr lang="it-IT" altLang="ja-JP" dirty="0" err="1"/>
-              <a:t>cartaComprata</a:t>
-            </a:r>
-            <a:endParaRPr lang="it-IT" altLang="ja-JP" sz="1800" dirty="0"/>
-          </a:p>
-          <a:p>
-            <a:pPr lvl="1"/>
-            <a:r>
-              <a:rPr lang="it-IT" altLang="ja-JP" sz="1800" dirty="0"/>
-              <a:t>}</a:t>
-            </a:r>
-          </a:p>
-          <a:p>
-            <a:r>
-              <a:rPr lang="it-IT" altLang="ja-JP" sz="1800" dirty="0"/>
-              <a:t>}</a:t>
-            </a:r>
+        </p:txBody>
+      </p:sp>
+      <p:sp>
+        <p:nvSpPr>
+          <p:cNvPr id="4" name="Segnaposto numero diapositiva 3">
+            <a:extLst>
+              <a:ext uri="{FF2B5EF4-FFF2-40B4-BE49-F238E27FC236}">
+                <a16:creationId xmlns:a16="http://schemas.microsoft.com/office/drawing/2014/main" id="{96C13200-2E62-B198-B91A-2B81C9C5C7C5}"/>
+              </a:ext>
+            </a:extLst>
+          </p:cNvPr>
+          <p:cNvSpPr>
+            <a:spLocks noGrp="1"/>
+          </p:cNvSpPr>
+          <p:nvPr>
+            <p:ph type="sldNum" sz="quarter" idx="12"/>
+          </p:nvPr>
+        </p:nvSpPr>
+        <p:spPr/>
+        <p:txBody>
+          <a:bodyPr/>
+          <a:lstStyle/>
+          <a:p>
+            <a:fld id="{CB8AE529-2650-4F73-B8F0-DECACEB363EC}" type="slidenum">
+              <a:rPr kumimoji="1" lang="ja-JP" altLang="en-US" smtClean="0"/>
+              <a:t>5</a:t>
+            </a:fld>
+            <a:endParaRPr kumimoji="1" lang="ja-JP" altLang="en-US"/>
           </a:p>
         </p:txBody>
       </p:sp>
@@ -5388,6 +6760,14 @@
 <file path=ppt/slides/slide6.xml><?xml version="1.0" encoding="utf-8"?>
 <p:sld xmlns:a="http://schemas.openxmlformats.org/drawingml/2006/main" xmlns:r="http://schemas.openxmlformats.org/officeDocument/2006/relationships" xmlns:p="http://schemas.openxmlformats.org/presentationml/2006/main">
   <p:cSld>
+    <p:bg>
+      <p:bgPr>
+        <a:solidFill>
+          <a:schemeClr val="bg1"/>
+        </a:solidFill>
+        <a:effectLst/>
+      </p:bgPr>
+    </p:bg>
     <p:spTree>
       <p:nvGrpSpPr>
         <p:cNvPr id="1" name=""/>
@@ -5402,6 +6782,66 @@
           <a:chExt cx="0" cy="0"/>
         </a:xfrm>
       </p:grpSpPr>
+      <p:sp useBgFill="1">
+        <p:nvSpPr>
+          <p:cNvPr id="8" name="Rectangle 7">
+            <a:extLst>
+              <a:ext uri="{FF2B5EF4-FFF2-40B4-BE49-F238E27FC236}">
+                <a16:creationId xmlns:a16="http://schemas.microsoft.com/office/drawing/2014/main" id="{DBF61EA3-B236-439E-9C0B-340980D56BEE}"/>
+              </a:ext>
+              <a:ext uri="{C183D7F6-B498-43B3-948B-1728B52AA6E4}">
+                <adec:decorative xmlns:adec="http://schemas.microsoft.com/office/drawing/2017/decorative" val="1"/>
+              </a:ext>
+            </a:extLst>
+          </p:cNvPr>
+          <p:cNvSpPr>
+            <a:spLocks noGrp="1" noRot="1" noChangeAspect="1" noMove="1" noResize="1" noEditPoints="1" noAdjustHandles="1" noChangeArrowheads="1" noChangeShapeType="1" noTextEdit="1"/>
+          </p:cNvSpPr>
+          <p:nvPr>
+            <p:extLst>
+              <p:ext uri="{386F3935-93C4-4BCD-93E2-E3B085C9AB24}">
+                <p16:designElem xmlns:p16="http://schemas.microsoft.com/office/powerpoint/2015/main" val="1"/>
+              </p:ext>
+            </p:extLst>
+          </p:nvPr>
+        </p:nvSpPr>
+        <p:spPr>
+          <a:xfrm>
+            <a:off x="0" y="0"/>
+            <a:ext cx="12191999" cy="6857365"/>
+          </a:xfrm>
+          <a:prstGeom prst="rect">
+            <a:avLst/>
+          </a:prstGeom>
+          <a:ln>
+            <a:noFill/>
+          </a:ln>
+        </p:spPr>
+        <p:style>
+          <a:lnRef idx="2">
+            <a:schemeClr val="accent1">
+              <a:shade val="50000"/>
+            </a:schemeClr>
+          </a:lnRef>
+          <a:fillRef idx="1">
+            <a:schemeClr val="accent1"/>
+          </a:fillRef>
+          <a:effectRef idx="0">
+            <a:schemeClr val="accent1"/>
+          </a:effectRef>
+          <a:fontRef idx="minor">
+            <a:schemeClr val="lt1"/>
+          </a:fontRef>
+        </p:style>
+        <p:txBody>
+          <a:bodyPr rtlCol="0" anchor="ctr"/>
+          <a:lstStyle/>
+          <a:p>
+            <a:pPr algn="ctr"/>
+            <a:endParaRPr lang="en-US"/>
+          </a:p>
+        </p:txBody>
+      </p:sp>
       <p:sp>
         <p:nvSpPr>
           <p:cNvPr id="2" name="Titolo 1">
@@ -5418,45 +6858,328 @@
             <p:ph type="title"/>
           </p:nvPr>
         </p:nvSpPr>
+        <p:spPr>
+          <a:xfrm>
+            <a:off x="808638" y="386930"/>
+            <a:ext cx="9236700" cy="1188950"/>
+          </a:xfrm>
+        </p:spPr>
+        <p:txBody>
+          <a:bodyPr anchor="b">
+            <a:normAutofit/>
+          </a:bodyPr>
+          <a:lstStyle/>
+          <a:p>
+            <a:r>
+              <a:rPr kumimoji="1" lang="it-IT" altLang="ja-JP" sz="5400" b="1" dirty="0"/>
+              <a:t>Difficoltà del progetto</a:t>
+            </a:r>
+            <a:endParaRPr kumimoji="1" lang="ja-JP" altLang="en-US" sz="5400" b="1" dirty="0"/>
+          </a:p>
+        </p:txBody>
+      </p:sp>
+      <p:grpSp>
+        <p:nvGrpSpPr>
+          <p:cNvPr id="10" name="Group 9">
+            <a:extLst>
+              <a:ext uri="{FF2B5EF4-FFF2-40B4-BE49-F238E27FC236}">
+                <a16:creationId xmlns:a16="http://schemas.microsoft.com/office/drawing/2014/main" id="{28FAF094-D087-493F-8DF9-A486C2D6BBAA}"/>
+              </a:ext>
+              <a:ext uri="{C183D7F6-B498-43B3-948B-1728B52AA6E4}">
+                <adec:decorative xmlns:adec="http://schemas.microsoft.com/office/drawing/2017/decorative" val="1"/>
+              </a:ext>
+            </a:extLst>
+          </p:cNvPr>
+          <p:cNvGrpSpPr>
+            <a:grpSpLocks noGrp="1" noUngrp="1" noRot="1" noChangeAspect="1" noMove="1" noResize="1"/>
+          </p:cNvGrpSpPr>
+          <p:nvPr>
+            <p:extLst>
+              <p:ext uri="{386F3935-93C4-4BCD-93E2-E3B085C9AB24}">
+                <p16:designElem xmlns:p16="http://schemas.microsoft.com/office/powerpoint/2015/main" val="1"/>
+              </p:ext>
+            </p:extLst>
+          </p:nvPr>
+        </p:nvGrpSpPr>
+        <p:grpSpPr>
+          <a:xfrm>
+            <a:off x="-2" y="1998368"/>
+            <a:ext cx="11695083" cy="782176"/>
+            <a:chOff x="-2" y="1998368"/>
+            <a:chExt cx="11695083" cy="782176"/>
+          </a:xfrm>
+        </p:grpSpPr>
+        <p:sp>
+          <p:nvSpPr>
+            <p:cNvPr id="11" name="Rectangle 10">
+              <a:extLst>
+                <a:ext uri="{FF2B5EF4-FFF2-40B4-BE49-F238E27FC236}">
+                  <a16:creationId xmlns:a16="http://schemas.microsoft.com/office/drawing/2014/main" id="{8D7C88D8-5509-4514-925A-9CE148E5CBD6}"/>
+                </a:ext>
+                <a:ext uri="{C183D7F6-B498-43B3-948B-1728B52AA6E4}">
+                  <adec:decorative xmlns:adec="http://schemas.microsoft.com/office/drawing/2017/decorative" val="1"/>
+                </a:ext>
+              </a:extLst>
+            </p:cNvPr>
+            <p:cNvSpPr/>
+            <p:nvPr>
+              <p:extLst>
+                <p:ext uri="{386F3935-93C4-4BCD-93E2-E3B085C9AB24}">
+                  <p16:designElem xmlns:p16="http://schemas.microsoft.com/office/powerpoint/2015/main" val="1"/>
+                </p:ext>
+              </p:extLst>
+            </p:nvPr>
+          </p:nvSpPr>
+          <p:spPr>
+            <a:xfrm rot="5400000">
+              <a:off x="11228040" y="2313027"/>
+              <a:ext cx="781700" cy="152382"/>
+            </a:xfrm>
+            <a:prstGeom prst="rect">
+              <a:avLst/>
+            </a:prstGeom>
+            <a:solidFill>
+              <a:schemeClr val="accent4"/>
+            </a:solidFill>
+            <a:ln>
+              <a:noFill/>
+            </a:ln>
+          </p:spPr>
+          <p:style>
+            <a:lnRef idx="2">
+              <a:schemeClr val="accent1">
+                <a:shade val="50000"/>
+              </a:schemeClr>
+            </a:lnRef>
+            <a:fillRef idx="1">
+              <a:schemeClr val="accent1"/>
+            </a:fillRef>
+            <a:effectRef idx="0">
+              <a:schemeClr val="accent1"/>
+            </a:effectRef>
+            <a:fontRef idx="minor">
+              <a:schemeClr val="lt1"/>
+            </a:fontRef>
+          </p:style>
+          <p:txBody>
+            <a:bodyPr rtlCol="0" anchor="ctr"/>
+            <a:lstStyle/>
+            <a:p>
+              <a:pPr algn="ctr"/>
+              <a:endParaRPr lang="en-US"/>
+            </a:p>
+          </p:txBody>
+        </p:sp>
+        <p:sp>
+          <p:nvSpPr>
+            <p:cNvPr id="12" name="Rectangle 11">
+              <a:extLst>
+                <a:ext uri="{FF2B5EF4-FFF2-40B4-BE49-F238E27FC236}">
+                  <a16:creationId xmlns:a16="http://schemas.microsoft.com/office/drawing/2014/main" id="{7275593D-F75E-4426-AE3E-2CDEFD228D25}"/>
+                </a:ext>
+                <a:ext uri="{C183D7F6-B498-43B3-948B-1728B52AA6E4}">
+                  <adec:decorative xmlns:adec="http://schemas.microsoft.com/office/drawing/2017/decorative" val="1"/>
+                </a:ext>
+              </a:extLst>
+            </p:cNvPr>
+            <p:cNvSpPr/>
+            <p:nvPr>
+              <p:extLst>
+                <p:ext uri="{386F3935-93C4-4BCD-93E2-E3B085C9AB24}">
+                  <p16:designElem xmlns:p16="http://schemas.microsoft.com/office/powerpoint/2015/main" val="1"/>
+                </p:ext>
+              </p:extLst>
+            </p:nvPr>
+          </p:nvSpPr>
+          <p:spPr>
+            <a:xfrm flipH="1" flipV="1">
+              <a:off x="-2" y="1998845"/>
+              <a:ext cx="11454595" cy="781699"/>
+            </a:xfrm>
+            <a:prstGeom prst="rect">
+              <a:avLst/>
+            </a:prstGeom>
+            <a:solidFill>
+              <a:schemeClr val="accent4"/>
+            </a:solidFill>
+            <a:ln>
+              <a:noFill/>
+            </a:ln>
+          </p:spPr>
+          <p:style>
+            <a:lnRef idx="2">
+              <a:schemeClr val="accent1">
+                <a:shade val="50000"/>
+              </a:schemeClr>
+            </a:lnRef>
+            <a:fillRef idx="1">
+              <a:schemeClr val="accent1"/>
+            </a:fillRef>
+            <a:effectRef idx="0">
+              <a:schemeClr val="accent1"/>
+            </a:effectRef>
+            <a:fontRef idx="minor">
+              <a:schemeClr val="lt1"/>
+            </a:fontRef>
+          </p:style>
+          <p:txBody>
+            <a:bodyPr rtlCol="0" anchor="ctr"/>
+            <a:lstStyle/>
+            <a:p>
+              <a:pPr algn="ctr"/>
+              <a:endParaRPr lang="en-US"/>
+            </a:p>
+          </p:txBody>
+        </p:sp>
+      </p:grpSp>
+      <p:sp>
+        <p:nvSpPr>
+          <p:cNvPr id="14" name="Rectangle 13">
+            <a:extLst>
+              <a:ext uri="{FF2B5EF4-FFF2-40B4-BE49-F238E27FC236}">
+                <a16:creationId xmlns:a16="http://schemas.microsoft.com/office/drawing/2014/main" id="{E659831F-0D9A-4C63-9EBB-8435B85A440F}"/>
+              </a:ext>
+              <a:ext uri="{C183D7F6-B498-43B3-948B-1728B52AA6E4}">
+                <adec:decorative xmlns:adec="http://schemas.microsoft.com/office/drawing/2017/decorative" val="1"/>
+              </a:ext>
+            </a:extLst>
+          </p:cNvPr>
+          <p:cNvSpPr>
+            <a:spLocks noGrp="1" noRot="1" noChangeAspect="1" noMove="1" noResize="1" noEditPoints="1" noAdjustHandles="1" noChangeArrowheads="1" noChangeShapeType="1" noTextEdit="1"/>
+          </p:cNvSpPr>
+          <p:nvPr>
+            <p:extLst>
+              <p:ext uri="{386F3935-93C4-4BCD-93E2-E3B085C9AB24}">
+                <p16:designElem xmlns:p16="http://schemas.microsoft.com/office/powerpoint/2015/main" val="1"/>
+              </p:ext>
+            </p:extLst>
+          </p:nvPr>
+        </p:nvSpPr>
+        <p:spPr>
+          <a:xfrm>
+            <a:off x="0" y="2203079"/>
+            <a:ext cx="11383362" cy="4147845"/>
+          </a:xfrm>
+          <a:prstGeom prst="rect">
+            <a:avLst/>
+          </a:prstGeom>
+          <a:solidFill>
+            <a:schemeClr val="bg1"/>
+          </a:solidFill>
+          <a:ln>
+            <a:noFill/>
+          </a:ln>
+          <a:effectLst>
+            <a:outerShdw blurRad="139700" dist="127000" dir="5400000" algn="t" rotWithShape="0">
+              <a:prstClr val="black">
+                <a:alpha val="15000"/>
+              </a:prstClr>
+            </a:outerShdw>
+          </a:effectLst>
+        </p:spPr>
+        <p:style>
+          <a:lnRef idx="2">
+            <a:schemeClr val="accent1">
+              <a:shade val="50000"/>
+            </a:schemeClr>
+          </a:lnRef>
+          <a:fillRef idx="1">
+            <a:schemeClr val="accent1"/>
+          </a:fillRef>
+          <a:effectRef idx="0">
+            <a:schemeClr val="accent1"/>
+          </a:effectRef>
+          <a:fontRef idx="minor">
+            <a:schemeClr val="lt1"/>
+          </a:fontRef>
+        </p:style>
+        <p:txBody>
+          <a:bodyPr rtlCol="0" anchor="ctr"/>
+          <a:lstStyle/>
+          <a:p>
+            <a:pPr algn="ctr"/>
+            <a:endParaRPr lang="en-US"/>
+          </a:p>
+        </p:txBody>
+      </p:sp>
+      <p:sp>
+        <p:nvSpPr>
+          <p:cNvPr id="3" name="Segnaposto contenuto 2">
+            <a:extLst>
+              <a:ext uri="{FF2B5EF4-FFF2-40B4-BE49-F238E27FC236}">
+                <a16:creationId xmlns:a16="http://schemas.microsoft.com/office/drawing/2014/main" id="{3D33B34B-4A1A-C3A1-55F6-00584473E672}"/>
+              </a:ext>
+            </a:extLst>
+          </p:cNvPr>
+          <p:cNvSpPr>
+            <a:spLocks noGrp="1"/>
+          </p:cNvSpPr>
+          <p:nvPr>
+            <p:ph idx="1"/>
+          </p:nvPr>
+        </p:nvSpPr>
+        <p:spPr>
+          <a:xfrm>
+            <a:off x="793660" y="2599509"/>
+            <a:ext cx="10143668" cy="3435531"/>
+          </a:xfrm>
+        </p:spPr>
+        <p:txBody>
+          <a:bodyPr anchor="ctr">
+            <a:normAutofit/>
+          </a:bodyPr>
+          <a:lstStyle/>
+          <a:p>
+            <a:r>
+              <a:rPr kumimoji="1" lang="it-IT" altLang="ja-JP" sz="3600" dirty="0"/>
+              <a:t>Capire il problema</a:t>
+            </a:r>
+          </a:p>
+          <a:p>
+            <a:r>
+              <a:rPr lang="it-IT" altLang="ja-JP" sz="3600" dirty="0" err="1"/>
+              <a:t>Problem</a:t>
+            </a:r>
+            <a:r>
+              <a:rPr lang="it-IT" altLang="ja-JP" sz="3600" dirty="0"/>
+              <a:t> solving</a:t>
+            </a:r>
+          </a:p>
+          <a:p>
+            <a:r>
+              <a:rPr kumimoji="1" lang="it-IT" altLang="ja-JP" sz="3600" dirty="0"/>
+              <a:t>Quale approccio usare</a:t>
+            </a:r>
+            <a:endParaRPr kumimoji="1" lang="ja-JP" altLang="en-US" sz="3600" dirty="0"/>
+          </a:p>
+        </p:txBody>
+      </p:sp>
+      <p:sp>
+        <p:nvSpPr>
+          <p:cNvPr id="4" name="Segnaposto numero diapositiva 3">
+            <a:extLst>
+              <a:ext uri="{FF2B5EF4-FFF2-40B4-BE49-F238E27FC236}">
+                <a16:creationId xmlns:a16="http://schemas.microsoft.com/office/drawing/2014/main" id="{466712FD-CE46-3D3A-F5B9-2A7C9DCA7489}"/>
+              </a:ext>
+            </a:extLst>
+          </p:cNvPr>
+          <p:cNvSpPr>
+            <a:spLocks noGrp="1"/>
+          </p:cNvSpPr>
+          <p:nvPr>
+            <p:ph type="sldNum" sz="quarter" idx="12"/>
+          </p:nvPr>
+        </p:nvSpPr>
         <p:spPr/>
         <p:txBody>
           <a:bodyPr/>
           <a:lstStyle/>
           <a:p>
-            <a:r>
-              <a:rPr kumimoji="1" lang="it-IT" altLang="ja-JP" dirty="0"/>
-              <a:t>Difficoltà del progetto</a:t>
-            </a:r>
-            <a:endParaRPr kumimoji="1" lang="ja-JP" altLang="en-US" dirty="0"/>
-          </a:p>
-        </p:txBody>
-      </p:sp>
-      <p:sp>
-        <p:nvSpPr>
-          <p:cNvPr id="3" name="Segnaposto contenuto 2">
-            <a:extLst>
-              <a:ext uri="{FF2B5EF4-FFF2-40B4-BE49-F238E27FC236}">
-                <a16:creationId xmlns:a16="http://schemas.microsoft.com/office/drawing/2014/main" id="{3D33B34B-4A1A-C3A1-55F6-00584473E672}"/>
-              </a:ext>
-            </a:extLst>
-          </p:cNvPr>
-          <p:cNvSpPr>
-            <a:spLocks noGrp="1"/>
-          </p:cNvSpPr>
-          <p:nvPr>
-            <p:ph idx="1"/>
-          </p:nvPr>
-        </p:nvSpPr>
-        <p:spPr/>
-        <p:txBody>
-          <a:bodyPr/>
-          <a:lstStyle/>
-          <a:p>
-            <a:r>
-              <a:rPr kumimoji="1" lang="it-IT" altLang="ja-JP" dirty="0"/>
-              <a:t>Le istanze sbagliate dio porco</a:t>
-            </a:r>
-            <a:endParaRPr kumimoji="1" lang="ja-JP" altLang="en-US" dirty="0"/>
+            <a:fld id="{CB8AE529-2650-4F73-B8F0-DECACEB363EC}" type="slidenum">
+              <a:rPr kumimoji="1" lang="ja-JP" altLang="en-US" smtClean="0"/>
+              <a:t>6</a:t>
+            </a:fld>
+            <a:endParaRPr kumimoji="1" lang="ja-JP" altLang="en-US"/>
           </a:p>
         </p:txBody>
       </p:sp>
@@ -5495,7 +7218,7 @@
           <p:cNvPr id="2" name="Titolo 1">
             <a:extLst>
               <a:ext uri="{FF2B5EF4-FFF2-40B4-BE49-F238E27FC236}">
-                <a16:creationId xmlns:a16="http://schemas.microsoft.com/office/drawing/2014/main" id="{AA2F8D6F-3086-4029-D369-B8190805A2A0}"/>
+                <a16:creationId xmlns:a16="http://schemas.microsoft.com/office/drawing/2014/main" id="{48F88F3B-FC11-F11E-6140-C1D7DE75FA0B}"/>
               </a:ext>
             </a:extLst>
           </p:cNvPr>
@@ -5511,12 +7234,52 @@
           <a:bodyPr/>
           <a:lstStyle/>
           <a:p>
-            <a:br>
+            <a:r>
+              <a:rPr kumimoji="1" lang="it-IT" altLang="ja-JP" b="1" dirty="0"/>
+              <a:t>Risultato finale </a:t>
+            </a:r>
+            <a:endParaRPr kumimoji="1" lang="ja-JP" altLang="en-US" b="1" dirty="0"/>
+          </a:p>
+        </p:txBody>
+      </p:sp>
+      <p:sp>
+        <p:nvSpPr>
+          <p:cNvPr id="3" name="Segnaposto contenuto 2">
+            <a:extLst>
+              <a:ext uri="{FF2B5EF4-FFF2-40B4-BE49-F238E27FC236}">
+                <a16:creationId xmlns:a16="http://schemas.microsoft.com/office/drawing/2014/main" id="{CACA5E2D-206D-1055-6ADD-C3D487DC5141}"/>
+              </a:ext>
+            </a:extLst>
+          </p:cNvPr>
+          <p:cNvSpPr>
+            <a:spLocks noGrp="1"/>
+          </p:cNvSpPr>
+          <p:nvPr>
+            <p:ph idx="1"/>
+          </p:nvPr>
+        </p:nvSpPr>
+        <p:spPr/>
+        <p:txBody>
+          <a:bodyPr/>
+          <a:lstStyle/>
+          <a:p>
+            <a:r>
               <a:rPr kumimoji="1" lang="it-IT" altLang="ja-JP" dirty="0"/>
-            </a:br>
+              <a:t>Algoritmo con complessità: O(</a:t>
+            </a:r>
+            <a:r>
+              <a:rPr kumimoji="1" lang="it-IT" altLang="ja-JP" b="1" dirty="0"/>
+              <a:t>N*F</a:t>
+            </a:r>
             <a:r>
               <a:rPr kumimoji="1" lang="it-IT" altLang="ja-JP" dirty="0"/>
-              <a:t>Grazie</a:t>
+              <a:t>)</a:t>
+            </a:r>
+          </a:p>
+          <a:p>
+            <a:r>
+              <a:rPr kumimoji="1" lang="it-IT" altLang="ja-JP" dirty="0"/>
+              <a:t>Tempistiche per risoluzioni: </a:t>
             </a:r>
             <a:endParaRPr kumimoji="1" lang="ja-JP" altLang="en-US" dirty="0"/>
           </a:p>
@@ -5524,18 +7287,18 @@
       </p:sp>
       <p:sp>
         <p:nvSpPr>
-          <p:cNvPr id="3" name="Segnaposto contenuto 2">
-            <a:extLst>
-              <a:ext uri="{FF2B5EF4-FFF2-40B4-BE49-F238E27FC236}">
-                <a16:creationId xmlns:a16="http://schemas.microsoft.com/office/drawing/2014/main" id="{60CC2177-7037-D33D-47EF-6092EC4A3096}"/>
-              </a:ext>
-            </a:extLst>
-          </p:cNvPr>
-          <p:cNvSpPr>
-            <a:spLocks noGrp="1"/>
-          </p:cNvSpPr>
-          <p:nvPr>
-            <p:ph idx="1"/>
+          <p:cNvPr id="4" name="Segnaposto numero diapositiva 3">
+            <a:extLst>
+              <a:ext uri="{FF2B5EF4-FFF2-40B4-BE49-F238E27FC236}">
+                <a16:creationId xmlns:a16="http://schemas.microsoft.com/office/drawing/2014/main" id="{B46C21A8-0E08-6793-4DB7-1C155894BB51}"/>
+              </a:ext>
+            </a:extLst>
+          </p:cNvPr>
+          <p:cNvSpPr>
+            <a:spLocks noGrp="1"/>
+          </p:cNvSpPr>
+          <p:nvPr>
+            <p:ph type="sldNum" sz="quarter" idx="12"/>
           </p:nvPr>
         </p:nvSpPr>
         <p:spPr/>
@@ -5543,18 +7306,53 @@
           <a:bodyPr/>
           <a:lstStyle/>
           <a:p>
-            <a:r>
-              <a:rPr kumimoji="1" lang="it-IT" altLang="ja-JP" dirty="0"/>
-              <a:t>E vai a fare in culo</a:t>
-            </a:r>
-            <a:endParaRPr kumimoji="1" lang="ja-JP" altLang="en-US" dirty="0"/>
-          </a:p>
-        </p:txBody>
-      </p:sp>
+            <a:fld id="{CB8AE529-2650-4F73-B8F0-DECACEB363EC}" type="slidenum">
+              <a:rPr kumimoji="1" lang="ja-JP" altLang="en-US" smtClean="0"/>
+              <a:t>7</a:t>
+            </a:fld>
+            <a:endParaRPr kumimoji="1" lang="ja-JP" altLang="en-US"/>
+          </a:p>
+        </p:txBody>
+      </p:sp>
+      <p:pic>
+        <p:nvPicPr>
+          <p:cNvPr id="6" name="Immagine 5" descr="Immagine che contiene testo, Carattere, ricevuta, numero&#10;&#10;Descrizione generata automaticamente">
+            <a:extLst>
+              <a:ext uri="{FF2B5EF4-FFF2-40B4-BE49-F238E27FC236}">
+                <a16:creationId xmlns:a16="http://schemas.microsoft.com/office/drawing/2014/main" id="{EE89D0A0-F3ED-D443-0B27-680FCB84A28F}"/>
+              </a:ext>
+            </a:extLst>
+          </p:cNvPr>
+          <p:cNvPicPr>
+            <a:picLocks noChangeAspect="1"/>
+          </p:cNvPicPr>
+          <p:nvPr/>
+        </p:nvPicPr>
+        <p:blipFill>
+          <a:blip r:embed="rId2">
+            <a:extLst>
+              <a:ext uri="{28A0092B-C50C-407E-A947-70E740481C1C}">
+                <a14:useLocalDpi xmlns:a14="http://schemas.microsoft.com/office/drawing/2010/main" val="0"/>
+              </a:ext>
+            </a:extLst>
+          </a:blip>
+          <a:srcRect r="729"/>
+          <a:stretch/>
+        </p:blipFill>
+        <p:spPr>
+          <a:xfrm>
+            <a:off x="666750" y="2853522"/>
+            <a:ext cx="10779386" cy="2914650"/>
+          </a:xfrm>
+          <a:prstGeom prst="rect">
+            <a:avLst/>
+          </a:prstGeom>
+        </p:spPr>
+      </p:pic>
     </p:spTree>
     <p:extLst>
       <p:ext uri="{BB962C8B-B14F-4D97-AF65-F5344CB8AC3E}">
-        <p14:creationId xmlns:p14="http://schemas.microsoft.com/office/powerpoint/2010/main" val="243962976"/>
+        <p14:creationId xmlns:p14="http://schemas.microsoft.com/office/powerpoint/2010/main" val="3821078520"/>
       </p:ext>
     </p:extLst>
   </p:cSld>
